--- a/Intro_to_GENE/0_Getting_started_with_GENE.pptx
+++ b/Intro_to_GENE/0_Getting_started_with_GENE.pptx
@@ -6,7 +6,14 @@
   </p:sldMasterIdLst>
   <p:sldIdLst>
     <p:sldId id="256" r:id="rId2"/>
-    <p:sldId id="257" r:id="rId3"/>
+    <p:sldId id="260" r:id="rId3"/>
+    <p:sldId id="257" r:id="rId4"/>
+    <p:sldId id="258" r:id="rId5"/>
+    <p:sldId id="261" r:id="rId6"/>
+    <p:sldId id="263" r:id="rId7"/>
+    <p:sldId id="265" r:id="rId8"/>
+    <p:sldId id="259" r:id="rId9"/>
+    <p:sldId id="266" r:id="rId10"/>
   </p:sldIdLst>
   <p:sldSz cx="12192000" cy="6858000"/>
   <p:notesSz cx="6858000" cy="9144000"/>
@@ -272,7 +279,7 @@
           <a:p>
             <a:fld id="{5FC85D78-2920-445E-8686-FA2F3D4A48D8}" type="datetimeFigureOut">
               <a:rPr lang="en-US" smtClean="0"/>
-              <a:t>5/26/2021</a:t>
+              <a:t>5/30/2021</a:t>
             </a:fld>
             <a:endParaRPr lang="en-US"/>
           </a:p>
@@ -470,7 +477,7 @@
           <a:p>
             <a:fld id="{5FC85D78-2920-445E-8686-FA2F3D4A48D8}" type="datetimeFigureOut">
               <a:rPr lang="en-US" smtClean="0"/>
-              <a:t>5/26/2021</a:t>
+              <a:t>5/30/2021</a:t>
             </a:fld>
             <a:endParaRPr lang="en-US"/>
           </a:p>
@@ -678,7 +685,7 @@
           <a:p>
             <a:fld id="{5FC85D78-2920-445E-8686-FA2F3D4A48D8}" type="datetimeFigureOut">
               <a:rPr lang="en-US" smtClean="0"/>
-              <a:t>5/26/2021</a:t>
+              <a:t>5/30/2021</a:t>
             </a:fld>
             <a:endParaRPr lang="en-US"/>
           </a:p>
@@ -876,7 +883,7 @@
           <a:p>
             <a:fld id="{5FC85D78-2920-445E-8686-FA2F3D4A48D8}" type="datetimeFigureOut">
               <a:rPr lang="en-US" smtClean="0"/>
-              <a:t>5/26/2021</a:t>
+              <a:t>5/30/2021</a:t>
             </a:fld>
             <a:endParaRPr lang="en-US"/>
           </a:p>
@@ -1151,7 +1158,7 @@
           <a:p>
             <a:fld id="{5FC85D78-2920-445E-8686-FA2F3D4A48D8}" type="datetimeFigureOut">
               <a:rPr lang="en-US" smtClean="0"/>
-              <a:t>5/26/2021</a:t>
+              <a:t>5/30/2021</a:t>
             </a:fld>
             <a:endParaRPr lang="en-US"/>
           </a:p>
@@ -1416,7 +1423,7 @@
           <a:p>
             <a:fld id="{5FC85D78-2920-445E-8686-FA2F3D4A48D8}" type="datetimeFigureOut">
               <a:rPr lang="en-US" smtClean="0"/>
-              <a:t>5/26/2021</a:t>
+              <a:t>5/30/2021</a:t>
             </a:fld>
             <a:endParaRPr lang="en-US"/>
           </a:p>
@@ -1828,7 +1835,7 @@
           <a:p>
             <a:fld id="{5FC85D78-2920-445E-8686-FA2F3D4A48D8}" type="datetimeFigureOut">
               <a:rPr lang="en-US" smtClean="0"/>
-              <a:t>5/26/2021</a:t>
+              <a:t>5/30/2021</a:t>
             </a:fld>
             <a:endParaRPr lang="en-US"/>
           </a:p>
@@ -1969,7 +1976,7 @@
           <a:p>
             <a:fld id="{5FC85D78-2920-445E-8686-FA2F3D4A48D8}" type="datetimeFigureOut">
               <a:rPr lang="en-US" smtClean="0"/>
-              <a:t>5/26/2021</a:t>
+              <a:t>5/30/2021</a:t>
             </a:fld>
             <a:endParaRPr lang="en-US"/>
           </a:p>
@@ -2082,7 +2089,7 @@
           <a:p>
             <a:fld id="{5FC85D78-2920-445E-8686-FA2F3D4A48D8}" type="datetimeFigureOut">
               <a:rPr lang="en-US" smtClean="0"/>
-              <a:t>5/26/2021</a:t>
+              <a:t>5/30/2021</a:t>
             </a:fld>
             <a:endParaRPr lang="en-US"/>
           </a:p>
@@ -2393,7 +2400,7 @@
           <a:p>
             <a:fld id="{5FC85D78-2920-445E-8686-FA2F3D4A48D8}" type="datetimeFigureOut">
               <a:rPr lang="en-US" smtClean="0"/>
-              <a:t>5/26/2021</a:t>
+              <a:t>5/30/2021</a:t>
             </a:fld>
             <a:endParaRPr lang="en-US"/>
           </a:p>
@@ -2681,7 +2688,7 @@
           <a:p>
             <a:fld id="{5FC85D78-2920-445E-8686-FA2F3D4A48D8}" type="datetimeFigureOut">
               <a:rPr lang="en-US" smtClean="0"/>
-              <a:t>5/26/2021</a:t>
+              <a:t>5/30/2021</a:t>
             </a:fld>
             <a:endParaRPr lang="en-US"/>
           </a:p>
@@ -2922,7 +2929,7 @@
           <a:p>
             <a:fld id="{5FC85D78-2920-445E-8686-FA2F3D4A48D8}" type="datetimeFigureOut">
               <a:rPr lang="en-US" smtClean="0"/>
-              <a:t>5/26/2021</a:t>
+              <a:t>5/30/2021</a:t>
             </a:fld>
             <a:endParaRPr lang="en-US"/>
           </a:p>
@@ -3427,6 +3434,216 @@
           <p:cNvPr id="2" name="Title 1">
             <a:extLst>
               <a:ext uri="{FF2B5EF4-FFF2-40B4-BE49-F238E27FC236}">
+                <a16:creationId xmlns:a16="http://schemas.microsoft.com/office/drawing/2014/main" id="{93590A12-D014-417E-8C90-849ECA487B39}"/>
+              </a:ext>
+            </a:extLst>
+          </p:cNvPr>
+          <p:cNvSpPr>
+            <a:spLocks noGrp="1"/>
+          </p:cNvSpPr>
+          <p:nvPr>
+            <p:ph type="title"/>
+          </p:nvPr>
+        </p:nvSpPr>
+        <p:spPr/>
+        <p:txBody>
+          <a:bodyPr/>
+          <a:lstStyle/>
+          <a:p>
+            <a:r>
+              <a:rPr lang="en-US" dirty="0" err="1"/>
+              <a:t>Requirment</a:t>
+            </a:r>
+            <a:r>
+              <a:rPr lang="en-US" dirty="0"/>
+              <a:t> to get started</a:t>
+            </a:r>
+          </a:p>
+        </p:txBody>
+      </p:sp>
+      <p:sp>
+        <p:nvSpPr>
+          <p:cNvPr id="3" name="Content Placeholder 2">
+            <a:extLst>
+              <a:ext uri="{FF2B5EF4-FFF2-40B4-BE49-F238E27FC236}">
+                <a16:creationId xmlns:a16="http://schemas.microsoft.com/office/drawing/2014/main" id="{B20E922D-910D-4B30-B613-919131FEACDB}"/>
+              </a:ext>
+            </a:extLst>
+          </p:cNvPr>
+          <p:cNvSpPr>
+            <a:spLocks noGrp="1"/>
+          </p:cNvSpPr>
+          <p:nvPr>
+            <p:ph idx="1"/>
+          </p:nvPr>
+        </p:nvSpPr>
+        <p:spPr>
+          <a:xfrm>
+            <a:off x="435006" y="1825625"/>
+            <a:ext cx="11194742" cy="4351338"/>
+          </a:xfrm>
+        </p:spPr>
+        <p:txBody>
+          <a:bodyPr/>
+          <a:lstStyle/>
+          <a:p>
+            <a:r>
+              <a:rPr lang="en-US" dirty="0"/>
+              <a:t>Basic knowledge of </a:t>
+            </a:r>
+            <a:r>
+              <a:rPr lang="en-US" dirty="0" err="1"/>
+              <a:t>linux</a:t>
+            </a:r>
+            <a:r>
+              <a:rPr lang="en-US" dirty="0"/>
+              <a:t> command line: </a:t>
+            </a:r>
+            <a:r>
+              <a:rPr lang="en-US" dirty="0">
+                <a:hlinkClick r:id="rId2"/>
+              </a:rPr>
+              <a:t>https://www.hostinger.com/tutorials/linux-commands</a:t>
+            </a:r>
+            <a:endParaRPr lang="en-US" dirty="0"/>
+          </a:p>
+          <a:p>
+            <a:r>
+              <a:rPr lang="en-US" dirty="0"/>
+              <a:t>A way to login to remote server: </a:t>
+            </a:r>
+          </a:p>
+          <a:p>
+            <a:pPr lvl="1"/>
+            <a:r>
+              <a:rPr lang="en-US" dirty="0"/>
+              <a:t>For windows: </a:t>
+            </a:r>
+          </a:p>
+          <a:p>
+            <a:pPr lvl="2"/>
+            <a:r>
+              <a:rPr lang="en-US" dirty="0" err="1"/>
+              <a:t>Nomachine</a:t>
+            </a:r>
+            <a:r>
+              <a:rPr lang="en-US" dirty="0"/>
+              <a:t> </a:t>
+            </a:r>
+            <a:r>
+              <a:rPr lang="en-US" dirty="0">
+                <a:hlinkClick r:id="rId3"/>
+              </a:rPr>
+              <a:t>https://www.nomachine.com/</a:t>
+            </a:r>
+            <a:endParaRPr lang="en-US" dirty="0"/>
+          </a:p>
+          <a:p>
+            <a:pPr lvl="2"/>
+            <a:r>
+              <a:rPr lang="en-US" dirty="0" err="1"/>
+              <a:t>Bitvise</a:t>
+            </a:r>
+            <a:r>
+              <a:rPr lang="en-US" dirty="0"/>
+              <a:t> SSH Client </a:t>
+            </a:r>
+            <a:r>
+              <a:rPr lang="en-US" dirty="0">
+                <a:hlinkClick r:id="rId4"/>
+              </a:rPr>
+              <a:t>https://www.putty.org/</a:t>
+            </a:r>
+            <a:r>
+              <a:rPr lang="en-US" dirty="0"/>
+              <a:t> +</a:t>
+            </a:r>
+            <a:r>
+              <a:rPr lang="en-US" dirty="0" err="1"/>
+              <a:t>Xming</a:t>
+            </a:r>
+            <a:r>
+              <a:rPr lang="en-US" dirty="0"/>
+              <a:t> </a:t>
+            </a:r>
+            <a:r>
+              <a:rPr lang="en-US" dirty="0">
+                <a:hlinkClick r:id="rId5"/>
+              </a:rPr>
+              <a:t>https://sourceforge.net/projects/xming/</a:t>
+            </a:r>
+            <a:endParaRPr lang="en-US" dirty="0"/>
+          </a:p>
+          <a:p>
+            <a:pPr lvl="2"/>
+            <a:endParaRPr lang="en-US" dirty="0"/>
+          </a:p>
+          <a:p>
+            <a:pPr lvl="1"/>
+            <a:r>
+              <a:rPr lang="en-US" dirty="0"/>
+              <a:t>For iOS:</a:t>
+            </a:r>
+          </a:p>
+          <a:p>
+            <a:pPr lvl="2"/>
+            <a:r>
+              <a:rPr lang="en-US" dirty="0" err="1"/>
+              <a:t>Nomachine</a:t>
+            </a:r>
+            <a:r>
+              <a:rPr lang="en-US" dirty="0"/>
+              <a:t> </a:t>
+            </a:r>
+            <a:r>
+              <a:rPr lang="en-US" dirty="0">
+                <a:hlinkClick r:id="rId3"/>
+              </a:rPr>
+              <a:t>https://www.nomachine.com/</a:t>
+            </a:r>
+            <a:endParaRPr lang="en-US" dirty="0"/>
+          </a:p>
+          <a:p>
+            <a:pPr lvl="2"/>
+            <a:endParaRPr lang="en-US" dirty="0"/>
+          </a:p>
+        </p:txBody>
+      </p:sp>
+    </p:spTree>
+    <p:extLst>
+      <p:ext uri="{BB962C8B-B14F-4D97-AF65-F5344CB8AC3E}">
+        <p14:creationId xmlns:p14="http://schemas.microsoft.com/office/powerpoint/2010/main" val="1472598425"/>
+      </p:ext>
+    </p:extLst>
+  </p:cSld>
+  <p:clrMapOvr>
+    <a:masterClrMapping/>
+  </p:clrMapOvr>
+</p:sld>
+</file>
+
+<file path=ppt/slides/slide3.xml><?xml version="1.0" encoding="utf-8"?>
+<p:sld xmlns:a="http://schemas.openxmlformats.org/drawingml/2006/main" xmlns:r="http://schemas.openxmlformats.org/officeDocument/2006/relationships" xmlns:p="http://schemas.openxmlformats.org/presentationml/2006/main">
+  <p:cSld>
+    <p:spTree>
+      <p:nvGrpSpPr>
+        <p:cNvPr id="1" name=""/>
+        <p:cNvGrpSpPr/>
+        <p:nvPr/>
+      </p:nvGrpSpPr>
+      <p:grpSpPr>
+        <a:xfrm>
+          <a:off x="0" y="0"/>
+          <a:ext cx="0" cy="0"/>
+          <a:chOff x="0" y="0"/>
+          <a:chExt cx="0" cy="0"/>
+        </a:xfrm>
+      </p:grpSpPr>
+      <p:sp>
+        <p:nvSpPr>
+          <p:cNvPr id="2" name="Title 1">
+            <a:extLst>
+              <a:ext uri="{FF2B5EF4-FFF2-40B4-BE49-F238E27FC236}">
                 <a16:creationId xmlns:a16="http://schemas.microsoft.com/office/drawing/2014/main" id="{7C8BE310-4263-471D-B52D-E10A6DA5CC52}"/>
               </a:ext>
             </a:extLst>
@@ -3471,14 +3688,1133 @@
           <a:bodyPr/>
           <a:lstStyle/>
           <a:p>
+            <a:r>
+              <a:rPr lang="en-US" dirty="0"/>
+              <a:t>Go to website </a:t>
+            </a:r>
+            <a:r>
+              <a:rPr lang="en-US" dirty="0">
+                <a:hlinkClick r:id="rId2"/>
+              </a:rPr>
+              <a:t>http://genecode.org/</a:t>
+            </a:r>
             <a:endParaRPr lang="en-US" dirty="0"/>
           </a:p>
-        </p:txBody>
-      </p:sp>
+          <a:p>
+            <a:r>
+              <a:rPr lang="en-US" dirty="0"/>
+              <a:t>Click “Get GENE” and fill the form</a:t>
+            </a:r>
+          </a:p>
+        </p:txBody>
+      </p:sp>
+      <p:pic>
+        <p:nvPicPr>
+          <p:cNvPr id="5" name="Picture 4">
+            <a:extLst>
+              <a:ext uri="{FF2B5EF4-FFF2-40B4-BE49-F238E27FC236}">
+                <a16:creationId xmlns:a16="http://schemas.microsoft.com/office/drawing/2014/main" id="{7245AD06-CBB3-444A-B133-ACEA1091711C}"/>
+              </a:ext>
+            </a:extLst>
+          </p:cNvPr>
+          <p:cNvPicPr>
+            <a:picLocks noChangeAspect="1"/>
+          </p:cNvPicPr>
+          <p:nvPr/>
+        </p:nvPicPr>
+        <p:blipFill>
+          <a:blip r:embed="rId3"/>
+          <a:stretch>
+            <a:fillRect/>
+          </a:stretch>
+        </p:blipFill>
+        <p:spPr>
+          <a:xfrm>
+            <a:off x="7439113" y="1513406"/>
+            <a:ext cx="4411530" cy="5167312"/>
+          </a:xfrm>
+          <a:prstGeom prst="rect">
+            <a:avLst/>
+          </a:prstGeom>
+        </p:spPr>
+      </p:pic>
+      <p:pic>
+        <p:nvPicPr>
+          <p:cNvPr id="7" name="Picture 6">
+            <a:extLst>
+              <a:ext uri="{FF2B5EF4-FFF2-40B4-BE49-F238E27FC236}">
+                <a16:creationId xmlns:a16="http://schemas.microsoft.com/office/drawing/2014/main" id="{452DA94D-1C70-4DB1-9422-8CD5F8241DA2}"/>
+              </a:ext>
+            </a:extLst>
+          </p:cNvPr>
+          <p:cNvPicPr>
+            <a:picLocks noChangeAspect="1"/>
+          </p:cNvPicPr>
+          <p:nvPr/>
+        </p:nvPicPr>
+        <p:blipFill>
+          <a:blip r:embed="rId4"/>
+          <a:stretch>
+            <a:fillRect/>
+          </a:stretch>
+        </p:blipFill>
+        <p:spPr>
+          <a:xfrm>
+            <a:off x="978159" y="3032449"/>
+            <a:ext cx="4583427" cy="3722914"/>
+          </a:xfrm>
+          <a:prstGeom prst="rect">
+            <a:avLst/>
+          </a:prstGeom>
+        </p:spPr>
+      </p:pic>
     </p:spTree>
     <p:extLst>
       <p:ext uri="{BB962C8B-B14F-4D97-AF65-F5344CB8AC3E}">
         <p14:creationId xmlns:p14="http://schemas.microsoft.com/office/powerpoint/2010/main" val="2967598805"/>
+      </p:ext>
+    </p:extLst>
+  </p:cSld>
+  <p:clrMapOvr>
+    <a:masterClrMapping/>
+  </p:clrMapOvr>
+</p:sld>
+</file>
+
+<file path=ppt/slides/slide4.xml><?xml version="1.0" encoding="utf-8"?>
+<p:sld xmlns:a="http://schemas.openxmlformats.org/drawingml/2006/main" xmlns:r="http://schemas.openxmlformats.org/officeDocument/2006/relationships" xmlns:p="http://schemas.openxmlformats.org/presentationml/2006/main">
+  <p:cSld>
+    <p:spTree>
+      <p:nvGrpSpPr>
+        <p:cNvPr id="1" name=""/>
+        <p:cNvGrpSpPr/>
+        <p:nvPr/>
+      </p:nvGrpSpPr>
+      <p:grpSpPr>
+        <a:xfrm>
+          <a:off x="0" y="0"/>
+          <a:ext cx="0" cy="0"/>
+          <a:chOff x="0" y="0"/>
+          <a:chExt cx="0" cy="0"/>
+        </a:xfrm>
+      </p:grpSpPr>
+      <p:sp>
+        <p:nvSpPr>
+          <p:cNvPr id="2" name="Title 1">
+            <a:extLst>
+              <a:ext uri="{FF2B5EF4-FFF2-40B4-BE49-F238E27FC236}">
+                <a16:creationId xmlns:a16="http://schemas.microsoft.com/office/drawing/2014/main" id="{BA0FD36C-C355-4F78-8988-5C546ED08AA0}"/>
+              </a:ext>
+            </a:extLst>
+          </p:cNvPr>
+          <p:cNvSpPr>
+            <a:spLocks noGrp="1"/>
+          </p:cNvSpPr>
+          <p:nvPr>
+            <p:ph type="title"/>
+          </p:nvPr>
+        </p:nvSpPr>
+        <p:spPr/>
+        <p:txBody>
+          <a:bodyPr/>
+          <a:lstStyle/>
+          <a:p>
+            <a:r>
+              <a:rPr lang="en-US" dirty="0"/>
+              <a:t>Step2: Request allocations of a server</a:t>
+            </a:r>
+          </a:p>
+        </p:txBody>
+      </p:sp>
+      <p:sp>
+        <p:nvSpPr>
+          <p:cNvPr id="3" name="Content Placeholder 2">
+            <a:extLst>
+              <a:ext uri="{FF2B5EF4-FFF2-40B4-BE49-F238E27FC236}">
+                <a16:creationId xmlns:a16="http://schemas.microsoft.com/office/drawing/2014/main" id="{7DB9BCF9-CECC-456D-A372-14D4A3966338}"/>
+              </a:ext>
+            </a:extLst>
+          </p:cNvPr>
+          <p:cNvSpPr>
+            <a:spLocks noGrp="1"/>
+          </p:cNvSpPr>
+          <p:nvPr>
+            <p:ph idx="1"/>
+          </p:nvPr>
+        </p:nvSpPr>
+        <p:spPr/>
+        <p:txBody>
+          <a:bodyPr>
+            <a:normAutofit/>
+          </a:bodyPr>
+          <a:lstStyle/>
+          <a:p>
+            <a:r>
+              <a:rPr lang="en-US" dirty="0"/>
+              <a:t>Info 	</a:t>
+            </a:r>
+          </a:p>
+          <a:p>
+            <a:pPr lvl="1"/>
+            <a:r>
+              <a:rPr lang="en-US" dirty="0"/>
+              <a:t>NERSC: </a:t>
+            </a:r>
+            <a:r>
+              <a:rPr lang="en-US" dirty="0">
+                <a:hlinkClick r:id="rId2"/>
+              </a:rPr>
+              <a:t>https://docs.nersc.gov/getting-started/</a:t>
+            </a:r>
+            <a:endParaRPr lang="en-US" dirty="0"/>
+          </a:p>
+          <a:p>
+            <a:pPr lvl="1"/>
+            <a:r>
+              <a:rPr lang="en-US" dirty="0"/>
+              <a:t>TACC: </a:t>
+            </a:r>
+            <a:r>
+              <a:rPr lang="en-US" dirty="0">
+                <a:hlinkClick r:id="rId3"/>
+              </a:rPr>
+              <a:t>https://www.tacc.utexas.edu/</a:t>
+            </a:r>
+            <a:endParaRPr lang="en-US" dirty="0"/>
+          </a:p>
+          <a:p>
+            <a:pPr lvl="1"/>
+            <a:endParaRPr lang="en-US" dirty="0"/>
+          </a:p>
+          <a:p>
+            <a:r>
+              <a:rPr lang="en-US" dirty="0"/>
+              <a:t>Get an account 	</a:t>
+            </a:r>
+          </a:p>
+          <a:p>
+            <a:pPr lvl="1"/>
+            <a:r>
+              <a:rPr lang="en-US" dirty="0"/>
+              <a:t>NERSC: </a:t>
+            </a:r>
+            <a:r>
+              <a:rPr lang="en-US" dirty="0">
+                <a:hlinkClick r:id="rId4"/>
+              </a:rPr>
+              <a:t>https://docs.nersc.gov/accounts/#obtaining-an-account</a:t>
+            </a:r>
+            <a:endParaRPr lang="en-US" dirty="0"/>
+          </a:p>
+          <a:p>
+            <a:pPr lvl="1"/>
+            <a:r>
+              <a:rPr lang="en-US" dirty="0"/>
+              <a:t>TACC: </a:t>
+            </a:r>
+            <a:r>
+              <a:rPr lang="en-US" dirty="0">
+                <a:hlinkClick r:id="rId3"/>
+              </a:rPr>
+              <a:t>https://www.tacc.utexas.edu/</a:t>
+            </a:r>
+            <a:endParaRPr lang="en-US" dirty="0"/>
+          </a:p>
+          <a:p>
+            <a:endParaRPr lang="en-US" dirty="0"/>
+          </a:p>
+        </p:txBody>
+      </p:sp>
+    </p:spTree>
+    <p:extLst>
+      <p:ext uri="{BB962C8B-B14F-4D97-AF65-F5344CB8AC3E}">
+        <p14:creationId xmlns:p14="http://schemas.microsoft.com/office/powerpoint/2010/main" val="2214949669"/>
+      </p:ext>
+    </p:extLst>
+  </p:cSld>
+  <p:clrMapOvr>
+    <a:masterClrMapping/>
+  </p:clrMapOvr>
+</p:sld>
+</file>
+
+<file path=ppt/slides/slide5.xml><?xml version="1.0" encoding="utf-8"?>
+<p:sld xmlns:a="http://schemas.openxmlformats.org/drawingml/2006/main" xmlns:r="http://schemas.openxmlformats.org/officeDocument/2006/relationships" xmlns:p="http://schemas.openxmlformats.org/presentationml/2006/main">
+  <p:cSld>
+    <p:spTree>
+      <p:nvGrpSpPr>
+        <p:cNvPr id="1" name=""/>
+        <p:cNvGrpSpPr/>
+        <p:nvPr/>
+      </p:nvGrpSpPr>
+      <p:grpSpPr>
+        <a:xfrm>
+          <a:off x="0" y="0"/>
+          <a:ext cx="0" cy="0"/>
+          <a:chOff x="0" y="0"/>
+          <a:chExt cx="0" cy="0"/>
+        </a:xfrm>
+      </p:grpSpPr>
+      <p:sp>
+        <p:nvSpPr>
+          <p:cNvPr id="2" name="Title 1">
+            <a:extLst>
+              <a:ext uri="{FF2B5EF4-FFF2-40B4-BE49-F238E27FC236}">
+                <a16:creationId xmlns:a16="http://schemas.microsoft.com/office/drawing/2014/main" id="{8F58D179-EB35-4667-9F39-9EF1511CA58F}"/>
+              </a:ext>
+            </a:extLst>
+          </p:cNvPr>
+          <p:cNvSpPr>
+            <a:spLocks noGrp="1"/>
+          </p:cNvSpPr>
+          <p:nvPr>
+            <p:ph type="title"/>
+          </p:nvPr>
+        </p:nvSpPr>
+        <p:spPr>
+          <a:xfrm>
+            <a:off x="674703" y="365125"/>
+            <a:ext cx="11016449" cy="1325563"/>
+          </a:xfrm>
+        </p:spPr>
+        <p:txBody>
+          <a:bodyPr/>
+          <a:lstStyle/>
+          <a:p>
+            <a:r>
+              <a:rPr lang="en-US" dirty="0"/>
+              <a:t>Step3(option 1): Login to the server via terminal</a:t>
+            </a:r>
+          </a:p>
+        </p:txBody>
+      </p:sp>
+      <p:sp>
+        <p:nvSpPr>
+          <p:cNvPr id="3" name="Content Placeholder 2">
+            <a:extLst>
+              <a:ext uri="{FF2B5EF4-FFF2-40B4-BE49-F238E27FC236}">
+                <a16:creationId xmlns:a16="http://schemas.microsoft.com/office/drawing/2014/main" id="{2CE907FA-8CF3-4A10-B003-B2CE35D356A5}"/>
+              </a:ext>
+            </a:extLst>
+          </p:cNvPr>
+          <p:cNvSpPr>
+            <a:spLocks noGrp="1"/>
+          </p:cNvSpPr>
+          <p:nvPr>
+            <p:ph idx="1"/>
+          </p:nvPr>
+        </p:nvSpPr>
+        <p:spPr/>
+        <p:txBody>
+          <a:bodyPr>
+            <a:normAutofit/>
+          </a:bodyPr>
+          <a:lstStyle/>
+          <a:p>
+            <a:r>
+              <a:rPr lang="en-US" dirty="0"/>
+              <a:t>TACC Stampede2: </a:t>
+            </a:r>
+            <a:r>
+              <a:rPr lang="en-US" dirty="0" err="1"/>
+              <a:t>ssh</a:t>
+            </a:r>
+            <a:r>
+              <a:rPr lang="en-US" dirty="0"/>
+              <a:t> username@stampede2.tacc.utexas.edu</a:t>
+            </a:r>
+          </a:p>
+          <a:p>
+            <a:r>
+              <a:rPr lang="en-US" dirty="0"/>
+              <a:t>NERSC Cori:           </a:t>
+            </a:r>
+            <a:r>
+              <a:rPr lang="en-US" dirty="0" err="1"/>
+              <a:t>ssh</a:t>
+            </a:r>
+            <a:r>
+              <a:rPr lang="en-US" dirty="0"/>
+              <a:t> username@cori.nersc.gov</a:t>
+            </a:r>
+          </a:p>
+          <a:p>
+            <a:r>
+              <a:rPr lang="en-US" dirty="0"/>
+              <a:t>General:                 </a:t>
+            </a:r>
+            <a:r>
+              <a:rPr lang="en-US" dirty="0" err="1"/>
+              <a:t>ssh</a:t>
+            </a:r>
+            <a:r>
+              <a:rPr lang="en-US" dirty="0"/>
+              <a:t> </a:t>
+            </a:r>
+            <a:r>
+              <a:rPr lang="en-US" dirty="0" err="1"/>
+              <a:t>username@hostname</a:t>
+            </a:r>
+            <a:endParaRPr lang="en-US" dirty="0"/>
+          </a:p>
+          <a:p>
+            <a:endParaRPr lang="en-US" dirty="0"/>
+          </a:p>
+          <a:p>
+            <a:r>
+              <a:rPr lang="en-US" dirty="0"/>
+              <a:t>For enable the graphic do:   </a:t>
+            </a:r>
+            <a:r>
+              <a:rPr lang="en-US" dirty="0" err="1"/>
+              <a:t>ssh</a:t>
+            </a:r>
+            <a:r>
+              <a:rPr lang="en-US" dirty="0"/>
+              <a:t> -X </a:t>
+            </a:r>
+            <a:r>
+              <a:rPr lang="en-US" dirty="0" err="1"/>
+              <a:t>username@hostname</a:t>
+            </a:r>
+            <a:endParaRPr lang="en-US" dirty="0"/>
+          </a:p>
+          <a:p>
+            <a:endParaRPr lang="en-US" dirty="0"/>
+          </a:p>
+          <a:p>
+            <a:r>
+              <a:rPr lang="en-US" dirty="0"/>
+              <a:t>More info: </a:t>
+            </a:r>
+            <a:r>
+              <a:rPr lang="en-US" dirty="0">
+                <a:hlinkClick r:id="rId2"/>
+              </a:rPr>
+              <a:t>https://phoenixnap.com/kb/ssh-to-connect-to-remote-server-linux-or-windows</a:t>
+            </a:r>
+            <a:endParaRPr lang="en-US" dirty="0"/>
+          </a:p>
+          <a:p>
+            <a:endParaRPr lang="en-US" dirty="0"/>
+          </a:p>
+        </p:txBody>
+      </p:sp>
+      <p:pic>
+        <p:nvPicPr>
+          <p:cNvPr id="5" name="Picture 4">
+            <a:extLst>
+              <a:ext uri="{FF2B5EF4-FFF2-40B4-BE49-F238E27FC236}">
+                <a16:creationId xmlns:a16="http://schemas.microsoft.com/office/drawing/2014/main" id="{3AD96FE6-B421-4E59-80A9-B34BD13B871D}"/>
+              </a:ext>
+            </a:extLst>
+          </p:cNvPr>
+          <p:cNvPicPr>
+            <a:picLocks noChangeAspect="1"/>
+          </p:cNvPicPr>
+          <p:nvPr/>
+        </p:nvPicPr>
+        <p:blipFill>
+          <a:blip r:embed="rId3"/>
+          <a:stretch>
+            <a:fillRect/>
+          </a:stretch>
+        </p:blipFill>
+        <p:spPr>
+          <a:xfrm>
+            <a:off x="7734109" y="2795944"/>
+            <a:ext cx="4334480" cy="1038370"/>
+          </a:xfrm>
+          <a:prstGeom prst="rect">
+            <a:avLst/>
+          </a:prstGeom>
+        </p:spPr>
+      </p:pic>
+    </p:spTree>
+    <p:extLst>
+      <p:ext uri="{BB962C8B-B14F-4D97-AF65-F5344CB8AC3E}">
+        <p14:creationId xmlns:p14="http://schemas.microsoft.com/office/powerpoint/2010/main" val="4281025301"/>
+      </p:ext>
+    </p:extLst>
+  </p:cSld>
+  <p:clrMapOvr>
+    <a:masterClrMapping/>
+  </p:clrMapOvr>
+</p:sld>
+</file>
+
+<file path=ppt/slides/slide6.xml><?xml version="1.0" encoding="utf-8"?>
+<p:sld xmlns:a="http://schemas.openxmlformats.org/drawingml/2006/main" xmlns:r="http://schemas.openxmlformats.org/officeDocument/2006/relationships" xmlns:p="http://schemas.openxmlformats.org/presentationml/2006/main">
+  <p:cSld>
+    <p:spTree>
+      <p:nvGrpSpPr>
+        <p:cNvPr id="1" name=""/>
+        <p:cNvGrpSpPr/>
+        <p:nvPr/>
+      </p:nvGrpSpPr>
+      <p:grpSpPr>
+        <a:xfrm>
+          <a:off x="0" y="0"/>
+          <a:ext cx="0" cy="0"/>
+          <a:chOff x="0" y="0"/>
+          <a:chExt cx="0" cy="0"/>
+        </a:xfrm>
+      </p:grpSpPr>
+      <p:sp>
+        <p:nvSpPr>
+          <p:cNvPr id="2" name="Title 1">
+            <a:extLst>
+              <a:ext uri="{FF2B5EF4-FFF2-40B4-BE49-F238E27FC236}">
+                <a16:creationId xmlns:a16="http://schemas.microsoft.com/office/drawing/2014/main" id="{8F58D179-EB35-4667-9F39-9EF1511CA58F}"/>
+              </a:ext>
+            </a:extLst>
+          </p:cNvPr>
+          <p:cNvSpPr>
+            <a:spLocks noGrp="1"/>
+          </p:cNvSpPr>
+          <p:nvPr>
+            <p:ph type="title"/>
+          </p:nvPr>
+        </p:nvSpPr>
+        <p:spPr>
+          <a:xfrm>
+            <a:off x="674703" y="365125"/>
+            <a:ext cx="11016449" cy="1325563"/>
+          </a:xfrm>
+        </p:spPr>
+        <p:txBody>
+          <a:bodyPr/>
+          <a:lstStyle/>
+          <a:p>
+            <a:r>
+              <a:rPr lang="en-US" dirty="0"/>
+              <a:t>Step3(option 2): Login to the server via </a:t>
+            </a:r>
+            <a:r>
+              <a:rPr lang="en-US" dirty="0" err="1"/>
+              <a:t>nomachine</a:t>
+            </a:r>
+            <a:endParaRPr lang="en-US" dirty="0"/>
+          </a:p>
+        </p:txBody>
+      </p:sp>
+      <p:sp>
+        <p:nvSpPr>
+          <p:cNvPr id="3" name="Content Placeholder 2">
+            <a:extLst>
+              <a:ext uri="{FF2B5EF4-FFF2-40B4-BE49-F238E27FC236}">
+                <a16:creationId xmlns:a16="http://schemas.microsoft.com/office/drawing/2014/main" id="{2CE907FA-8CF3-4A10-B003-B2CE35D356A5}"/>
+              </a:ext>
+            </a:extLst>
+          </p:cNvPr>
+          <p:cNvSpPr>
+            <a:spLocks noGrp="1"/>
+          </p:cNvSpPr>
+          <p:nvPr>
+            <p:ph idx="1"/>
+          </p:nvPr>
+        </p:nvSpPr>
+        <p:spPr/>
+        <p:txBody>
+          <a:bodyPr>
+            <a:normAutofit/>
+          </a:bodyPr>
+          <a:lstStyle/>
+          <a:p>
+            <a:endParaRPr lang="en-US" dirty="0"/>
+          </a:p>
+          <a:p>
+            <a:endParaRPr lang="en-US" dirty="0"/>
+          </a:p>
+          <a:p>
+            <a:endParaRPr lang="en-US" dirty="0"/>
+          </a:p>
+          <a:p>
+            <a:endParaRPr lang="en-US" dirty="0"/>
+          </a:p>
+          <a:p>
+            <a:r>
+              <a:rPr lang="en-US" dirty="0"/>
+              <a:t>Step by step guide for NERSC: </a:t>
+            </a:r>
+            <a:r>
+              <a:rPr lang="en-US" dirty="0">
+                <a:hlinkClick r:id="rId2"/>
+              </a:rPr>
+              <a:t>https://docs.nersc.gov/connect/nx/</a:t>
+            </a:r>
+            <a:endParaRPr lang="en-US" dirty="0"/>
+          </a:p>
+          <a:p>
+            <a:endParaRPr lang="en-US" dirty="0"/>
+          </a:p>
+        </p:txBody>
+      </p:sp>
+      <p:pic>
+        <p:nvPicPr>
+          <p:cNvPr id="6" name="Picture 5">
+            <a:extLst>
+              <a:ext uri="{FF2B5EF4-FFF2-40B4-BE49-F238E27FC236}">
+                <a16:creationId xmlns:a16="http://schemas.microsoft.com/office/drawing/2014/main" id="{5DB07CD0-4756-4C6A-A4FA-7FA74FF53E73}"/>
+              </a:ext>
+            </a:extLst>
+          </p:cNvPr>
+          <p:cNvPicPr>
+            <a:picLocks noChangeAspect="1"/>
+          </p:cNvPicPr>
+          <p:nvPr/>
+        </p:nvPicPr>
+        <p:blipFill>
+          <a:blip r:embed="rId3"/>
+          <a:stretch>
+            <a:fillRect/>
+          </a:stretch>
+        </p:blipFill>
+        <p:spPr>
+          <a:xfrm>
+            <a:off x="2297590" y="4535458"/>
+            <a:ext cx="6358139" cy="2100600"/>
+          </a:xfrm>
+          <a:prstGeom prst="rect">
+            <a:avLst/>
+          </a:prstGeom>
+        </p:spPr>
+      </p:pic>
+      <p:pic>
+        <p:nvPicPr>
+          <p:cNvPr id="10" name="Picture 9">
+            <a:extLst>
+              <a:ext uri="{FF2B5EF4-FFF2-40B4-BE49-F238E27FC236}">
+                <a16:creationId xmlns:a16="http://schemas.microsoft.com/office/drawing/2014/main" id="{FFC681FA-93E3-49CB-9469-3E44FBBD1763}"/>
+              </a:ext>
+            </a:extLst>
+          </p:cNvPr>
+          <p:cNvPicPr>
+            <a:picLocks noChangeAspect="1"/>
+          </p:cNvPicPr>
+          <p:nvPr/>
+        </p:nvPicPr>
+        <p:blipFill>
+          <a:blip r:embed="rId4"/>
+          <a:stretch>
+            <a:fillRect/>
+          </a:stretch>
+        </p:blipFill>
+        <p:spPr>
+          <a:xfrm>
+            <a:off x="6338832" y="1198485"/>
+            <a:ext cx="5014968" cy="2631969"/>
+          </a:xfrm>
+          <a:prstGeom prst="rect">
+            <a:avLst/>
+          </a:prstGeom>
+        </p:spPr>
+      </p:pic>
+    </p:spTree>
+    <p:extLst>
+      <p:ext uri="{BB962C8B-B14F-4D97-AF65-F5344CB8AC3E}">
+        <p14:creationId xmlns:p14="http://schemas.microsoft.com/office/powerpoint/2010/main" val="4264416933"/>
+      </p:ext>
+    </p:extLst>
+  </p:cSld>
+  <p:clrMapOvr>
+    <a:masterClrMapping/>
+  </p:clrMapOvr>
+</p:sld>
+</file>
+
+<file path=ppt/slides/slide7.xml><?xml version="1.0" encoding="utf-8"?>
+<p:sld xmlns:a="http://schemas.openxmlformats.org/drawingml/2006/main" xmlns:r="http://schemas.openxmlformats.org/officeDocument/2006/relationships" xmlns:p="http://schemas.openxmlformats.org/presentationml/2006/main">
+  <p:cSld>
+    <p:spTree>
+      <p:nvGrpSpPr>
+        <p:cNvPr id="1" name=""/>
+        <p:cNvGrpSpPr/>
+        <p:nvPr/>
+      </p:nvGrpSpPr>
+      <p:grpSpPr>
+        <a:xfrm>
+          <a:off x="0" y="0"/>
+          <a:ext cx="0" cy="0"/>
+          <a:chOff x="0" y="0"/>
+          <a:chExt cx="0" cy="0"/>
+        </a:xfrm>
+      </p:grpSpPr>
+      <p:sp>
+        <p:nvSpPr>
+          <p:cNvPr id="2" name="Title 1">
+            <a:extLst>
+              <a:ext uri="{FF2B5EF4-FFF2-40B4-BE49-F238E27FC236}">
+                <a16:creationId xmlns:a16="http://schemas.microsoft.com/office/drawing/2014/main" id="{8F58D179-EB35-4667-9F39-9EF1511CA58F}"/>
+              </a:ext>
+            </a:extLst>
+          </p:cNvPr>
+          <p:cNvSpPr>
+            <a:spLocks noGrp="1"/>
+          </p:cNvSpPr>
+          <p:nvPr>
+            <p:ph type="title"/>
+          </p:nvPr>
+        </p:nvSpPr>
+        <p:spPr>
+          <a:xfrm>
+            <a:off x="259702" y="43833"/>
+            <a:ext cx="11595052" cy="1325563"/>
+          </a:xfrm>
+        </p:spPr>
+        <p:txBody>
+          <a:bodyPr/>
+          <a:lstStyle/>
+          <a:p>
+            <a:r>
+              <a:rPr lang="en-US" dirty="0"/>
+              <a:t>Step3(option 3): Login to the server via SSH client </a:t>
+            </a:r>
+          </a:p>
+        </p:txBody>
+      </p:sp>
+      <p:sp>
+        <p:nvSpPr>
+          <p:cNvPr id="3" name="Content Placeholder 2">
+            <a:extLst>
+              <a:ext uri="{FF2B5EF4-FFF2-40B4-BE49-F238E27FC236}">
+                <a16:creationId xmlns:a16="http://schemas.microsoft.com/office/drawing/2014/main" id="{2CE907FA-8CF3-4A10-B003-B2CE35D356A5}"/>
+              </a:ext>
+            </a:extLst>
+          </p:cNvPr>
+          <p:cNvSpPr>
+            <a:spLocks noGrp="1"/>
+          </p:cNvSpPr>
+          <p:nvPr>
+            <p:ph idx="1"/>
+          </p:nvPr>
+        </p:nvSpPr>
+        <p:spPr/>
+        <p:txBody>
+          <a:bodyPr>
+            <a:normAutofit/>
+          </a:bodyPr>
+          <a:lstStyle/>
+          <a:p>
+            <a:endParaRPr lang="en-US" dirty="0"/>
+          </a:p>
+          <a:p>
+            <a:endParaRPr lang="en-US" dirty="0"/>
+          </a:p>
+          <a:p>
+            <a:endParaRPr lang="en-US" dirty="0"/>
+          </a:p>
+          <a:p>
+            <a:endParaRPr lang="en-US" dirty="0"/>
+          </a:p>
+          <a:p>
+            <a:endParaRPr lang="en-US" dirty="0"/>
+          </a:p>
+        </p:txBody>
+      </p:sp>
+      <p:pic>
+        <p:nvPicPr>
+          <p:cNvPr id="5" name="Picture 4">
+            <a:extLst>
+              <a:ext uri="{FF2B5EF4-FFF2-40B4-BE49-F238E27FC236}">
+                <a16:creationId xmlns:a16="http://schemas.microsoft.com/office/drawing/2014/main" id="{758F66B2-8A31-43A7-9148-40B78573E953}"/>
+              </a:ext>
+            </a:extLst>
+          </p:cNvPr>
+          <p:cNvPicPr>
+            <a:picLocks noChangeAspect="1"/>
+          </p:cNvPicPr>
+          <p:nvPr/>
+        </p:nvPicPr>
+        <p:blipFill>
+          <a:blip r:embed="rId2"/>
+          <a:stretch>
+            <a:fillRect/>
+          </a:stretch>
+        </p:blipFill>
+        <p:spPr>
+          <a:xfrm>
+            <a:off x="259702" y="1369396"/>
+            <a:ext cx="5189376" cy="5123479"/>
+          </a:xfrm>
+          <a:prstGeom prst="rect">
+            <a:avLst/>
+          </a:prstGeom>
+        </p:spPr>
+      </p:pic>
+      <p:pic>
+        <p:nvPicPr>
+          <p:cNvPr id="8" name="Picture 7">
+            <a:extLst>
+              <a:ext uri="{FF2B5EF4-FFF2-40B4-BE49-F238E27FC236}">
+                <a16:creationId xmlns:a16="http://schemas.microsoft.com/office/drawing/2014/main" id="{72574A95-21F9-4FB0-90BD-985507B42E0A}"/>
+              </a:ext>
+            </a:extLst>
+          </p:cNvPr>
+          <p:cNvPicPr>
+            <a:picLocks noChangeAspect="1"/>
+          </p:cNvPicPr>
+          <p:nvPr/>
+        </p:nvPicPr>
+        <p:blipFill>
+          <a:blip r:embed="rId3"/>
+          <a:stretch>
+            <a:fillRect/>
+          </a:stretch>
+        </p:blipFill>
+        <p:spPr>
+          <a:xfrm>
+            <a:off x="6466793" y="2382802"/>
+            <a:ext cx="4887007" cy="2838846"/>
+          </a:xfrm>
+          <a:prstGeom prst="rect">
+            <a:avLst/>
+          </a:prstGeom>
+        </p:spPr>
+      </p:pic>
+      <p:sp>
+        <p:nvSpPr>
+          <p:cNvPr id="9" name="Rectangle 8">
+            <a:extLst>
+              <a:ext uri="{FF2B5EF4-FFF2-40B4-BE49-F238E27FC236}">
+                <a16:creationId xmlns:a16="http://schemas.microsoft.com/office/drawing/2014/main" id="{49445C55-F541-4A85-9D4C-D24EEDD9A9F6}"/>
+              </a:ext>
+            </a:extLst>
+          </p:cNvPr>
+          <p:cNvSpPr/>
+          <p:nvPr/>
+        </p:nvSpPr>
+        <p:spPr>
+          <a:xfrm>
+            <a:off x="9069355" y="3429000"/>
+            <a:ext cx="2211355" cy="1049694"/>
+          </a:xfrm>
+          <a:prstGeom prst="rect">
+            <a:avLst/>
+          </a:prstGeom>
+          <a:noFill/>
+          <a:ln w="57150">
+            <a:solidFill>
+              <a:srgbClr val="C00000"/>
+            </a:solidFill>
+          </a:ln>
+        </p:spPr>
+        <p:style>
+          <a:lnRef idx="2">
+            <a:schemeClr val="accent1">
+              <a:shade val="50000"/>
+            </a:schemeClr>
+          </a:lnRef>
+          <a:fillRef idx="1">
+            <a:schemeClr val="accent1"/>
+          </a:fillRef>
+          <a:effectRef idx="0">
+            <a:schemeClr val="accent1"/>
+          </a:effectRef>
+          <a:fontRef idx="minor">
+            <a:schemeClr val="lt1"/>
+          </a:fontRef>
+        </p:style>
+        <p:txBody>
+          <a:bodyPr rtlCol="0" anchor="ctr"/>
+          <a:lstStyle/>
+          <a:p>
+            <a:pPr algn="ctr"/>
+            <a:endParaRPr lang="en-US"/>
+          </a:p>
+        </p:txBody>
+      </p:sp>
+      <p:pic>
+        <p:nvPicPr>
+          <p:cNvPr id="12" name="Picture 11">
+            <a:extLst>
+              <a:ext uri="{FF2B5EF4-FFF2-40B4-BE49-F238E27FC236}">
+                <a16:creationId xmlns:a16="http://schemas.microsoft.com/office/drawing/2014/main" id="{CB170109-30DB-40E8-8341-983617E59C2A}"/>
+              </a:ext>
+            </a:extLst>
+          </p:cNvPr>
+          <p:cNvPicPr>
+            <a:picLocks noChangeAspect="1"/>
+          </p:cNvPicPr>
+          <p:nvPr/>
+        </p:nvPicPr>
+        <p:blipFill>
+          <a:blip r:embed="rId4"/>
+          <a:stretch>
+            <a:fillRect/>
+          </a:stretch>
+        </p:blipFill>
+        <p:spPr>
+          <a:xfrm>
+            <a:off x="7426063" y="5472015"/>
+            <a:ext cx="3286584" cy="704948"/>
+          </a:xfrm>
+          <a:prstGeom prst="rect">
+            <a:avLst/>
+          </a:prstGeom>
+        </p:spPr>
+      </p:pic>
+    </p:spTree>
+    <p:extLst>
+      <p:ext uri="{BB962C8B-B14F-4D97-AF65-F5344CB8AC3E}">
+        <p14:creationId xmlns:p14="http://schemas.microsoft.com/office/powerpoint/2010/main" val="3803198202"/>
+      </p:ext>
+    </p:extLst>
+  </p:cSld>
+  <p:clrMapOvr>
+    <a:masterClrMapping/>
+  </p:clrMapOvr>
+</p:sld>
+</file>
+
+<file path=ppt/slides/slide8.xml><?xml version="1.0" encoding="utf-8"?>
+<p:sld xmlns:a="http://schemas.openxmlformats.org/drawingml/2006/main" xmlns:r="http://schemas.openxmlformats.org/officeDocument/2006/relationships" xmlns:p="http://schemas.openxmlformats.org/presentationml/2006/main">
+  <p:cSld>
+    <p:spTree>
+      <p:nvGrpSpPr>
+        <p:cNvPr id="1" name=""/>
+        <p:cNvGrpSpPr/>
+        <p:nvPr/>
+      </p:nvGrpSpPr>
+      <p:grpSpPr>
+        <a:xfrm>
+          <a:off x="0" y="0"/>
+          <a:ext cx="0" cy="0"/>
+          <a:chOff x="0" y="0"/>
+          <a:chExt cx="0" cy="0"/>
+        </a:xfrm>
+      </p:grpSpPr>
+      <p:sp>
+        <p:nvSpPr>
+          <p:cNvPr id="2" name="Title 1">
+            <a:extLst>
+              <a:ext uri="{FF2B5EF4-FFF2-40B4-BE49-F238E27FC236}">
+                <a16:creationId xmlns:a16="http://schemas.microsoft.com/office/drawing/2014/main" id="{403B1BEA-FD9A-423B-A1B5-E31B1979287C}"/>
+              </a:ext>
+            </a:extLst>
+          </p:cNvPr>
+          <p:cNvSpPr>
+            <a:spLocks noGrp="1"/>
+          </p:cNvSpPr>
+          <p:nvPr>
+            <p:ph type="title"/>
+          </p:nvPr>
+        </p:nvSpPr>
+        <p:spPr/>
+        <p:txBody>
+          <a:bodyPr/>
+          <a:lstStyle/>
+          <a:p>
+            <a:r>
+              <a:rPr lang="en-US" dirty="0"/>
+              <a:t>Step4: Download the code to server</a:t>
+            </a:r>
+          </a:p>
+        </p:txBody>
+      </p:sp>
+      <p:sp>
+        <p:nvSpPr>
+          <p:cNvPr id="3" name="Content Placeholder 2">
+            <a:extLst>
+              <a:ext uri="{FF2B5EF4-FFF2-40B4-BE49-F238E27FC236}">
+                <a16:creationId xmlns:a16="http://schemas.microsoft.com/office/drawing/2014/main" id="{61560EE0-81DE-400E-80F5-CF1C483C0F38}"/>
+              </a:ext>
+            </a:extLst>
+          </p:cNvPr>
+          <p:cNvSpPr>
+            <a:spLocks noGrp="1"/>
+          </p:cNvSpPr>
+          <p:nvPr>
+            <p:ph idx="1"/>
+          </p:nvPr>
+        </p:nvSpPr>
+        <p:spPr/>
+        <p:txBody>
+          <a:bodyPr/>
+          <a:lstStyle/>
+          <a:p>
+            <a:r>
+              <a:rPr lang="en-US" dirty="0"/>
+              <a:t>Type</a:t>
+            </a:r>
+          </a:p>
+          <a:p>
+            <a:pPr marL="0" indent="0">
+              <a:buNone/>
+            </a:pPr>
+            <a:r>
+              <a:rPr lang="en-US" dirty="0"/>
+              <a:t>     </a:t>
+            </a:r>
+            <a:r>
+              <a:rPr lang="en-US" sz="1800" i="1" dirty="0">
+                <a:effectLst/>
+                <a:latin typeface="Calibri" panose="020F0502020204030204" pitchFamily="34" charset="0"/>
+                <a:ea typeface="Times New Roman" panose="02020603050405020304" pitchFamily="18" charset="0"/>
+                <a:cs typeface="Times New Roman" panose="02020603050405020304" pitchFamily="18" charset="0"/>
+              </a:rPr>
+              <a:t>git clone </a:t>
+            </a:r>
+            <a:r>
+              <a:rPr lang="en-US" sz="1800" i="1" u="sng" dirty="0">
+                <a:solidFill>
+                  <a:srgbClr val="0563C1"/>
+                </a:solidFill>
+                <a:effectLst/>
+                <a:latin typeface="Calibri" panose="020F0502020204030204" pitchFamily="34" charset="0"/>
+                <a:ea typeface="Times New Roman" panose="02020603050405020304" pitchFamily="18" charset="0"/>
+                <a:cs typeface="Times New Roman" panose="02020603050405020304" pitchFamily="18" charset="0"/>
+                <a:hlinkClick r:id="rId2"/>
+              </a:rPr>
+              <a:t>https://gitta.rzg.mpg.de/~GENE/guest/git.py/gene.git</a:t>
+            </a:r>
+            <a:r>
+              <a:rPr lang="en-US" sz="1800" i="1" dirty="0">
+                <a:effectLst/>
+                <a:latin typeface="Calibri" panose="020F0502020204030204" pitchFamily="34" charset="0"/>
+                <a:ea typeface="Times New Roman" panose="02020603050405020304" pitchFamily="18" charset="0"/>
+                <a:cs typeface="Times New Roman" panose="02020603050405020304" pitchFamily="18" charset="0"/>
+              </a:rPr>
+              <a:t> -b unstable genecode2</a:t>
+            </a:r>
+            <a:endParaRPr lang="en-US" sz="1800" dirty="0">
+              <a:effectLst/>
+              <a:latin typeface="Times New Roman" panose="02020603050405020304" pitchFamily="18" charset="0"/>
+              <a:ea typeface="Times New Roman" panose="02020603050405020304" pitchFamily="18" charset="0"/>
+            </a:endParaRPr>
+          </a:p>
+          <a:p>
+            <a:pPr marL="0" indent="0">
+              <a:buNone/>
+            </a:pPr>
+            <a:r>
+              <a:rPr lang="en-US" dirty="0"/>
+              <a:t> </a:t>
+            </a:r>
+          </a:p>
+        </p:txBody>
+      </p:sp>
+      <p:pic>
+        <p:nvPicPr>
+          <p:cNvPr id="7" name="Picture 6">
+            <a:extLst>
+              <a:ext uri="{FF2B5EF4-FFF2-40B4-BE49-F238E27FC236}">
+                <a16:creationId xmlns:a16="http://schemas.microsoft.com/office/drawing/2014/main" id="{8D7D9630-31BC-42AC-8540-31ACBAB0B55D}"/>
+              </a:ext>
+            </a:extLst>
+          </p:cNvPr>
+          <p:cNvPicPr>
+            <a:picLocks noChangeAspect="1"/>
+          </p:cNvPicPr>
+          <p:nvPr/>
+        </p:nvPicPr>
+        <p:blipFill>
+          <a:blip r:embed="rId3"/>
+          <a:stretch>
+            <a:fillRect/>
+          </a:stretch>
+        </p:blipFill>
+        <p:spPr>
+          <a:xfrm>
+            <a:off x="1099568" y="3091209"/>
+            <a:ext cx="8164064" cy="2000529"/>
+          </a:xfrm>
+          <a:prstGeom prst="rect">
+            <a:avLst/>
+          </a:prstGeom>
+        </p:spPr>
+      </p:pic>
+    </p:spTree>
+    <p:extLst>
+      <p:ext uri="{BB962C8B-B14F-4D97-AF65-F5344CB8AC3E}">
+        <p14:creationId xmlns:p14="http://schemas.microsoft.com/office/powerpoint/2010/main" val="334137387"/>
+      </p:ext>
+    </p:extLst>
+  </p:cSld>
+  <p:clrMapOvr>
+    <a:masterClrMapping/>
+  </p:clrMapOvr>
+</p:sld>
+</file>
+
+<file path=ppt/slides/slide9.xml><?xml version="1.0" encoding="utf-8"?>
+<p:sld xmlns:a="http://schemas.openxmlformats.org/drawingml/2006/main" xmlns:r="http://schemas.openxmlformats.org/officeDocument/2006/relationships" xmlns:p="http://schemas.openxmlformats.org/presentationml/2006/main">
+  <p:cSld>
+    <p:spTree>
+      <p:nvGrpSpPr>
+        <p:cNvPr id="1" name=""/>
+        <p:cNvGrpSpPr/>
+        <p:nvPr/>
+      </p:nvGrpSpPr>
+      <p:grpSpPr>
+        <a:xfrm>
+          <a:off x="0" y="0"/>
+          <a:ext cx="0" cy="0"/>
+          <a:chOff x="0" y="0"/>
+          <a:chExt cx="0" cy="0"/>
+        </a:xfrm>
+      </p:grpSpPr>
+      <p:sp>
+        <p:nvSpPr>
+          <p:cNvPr id="2" name="Title 1">
+            <a:extLst>
+              <a:ext uri="{FF2B5EF4-FFF2-40B4-BE49-F238E27FC236}">
+                <a16:creationId xmlns:a16="http://schemas.microsoft.com/office/drawing/2014/main" id="{A5AA4825-E4A9-43EA-A8C8-9ADD66F2EA77}"/>
+              </a:ext>
+            </a:extLst>
+          </p:cNvPr>
+          <p:cNvSpPr>
+            <a:spLocks noGrp="1"/>
+          </p:cNvSpPr>
+          <p:nvPr>
+            <p:ph type="title"/>
+          </p:nvPr>
+        </p:nvSpPr>
+        <p:spPr/>
+        <p:txBody>
+          <a:bodyPr/>
+          <a:lstStyle/>
+          <a:p>
+            <a:r>
+              <a:rPr lang="en-US" dirty="0"/>
+              <a:t>Step 5: configure the </a:t>
+            </a:r>
+            <a:r>
+              <a:rPr lang="en-US"/>
+              <a:t>enviroment</a:t>
+            </a:r>
+          </a:p>
+        </p:txBody>
+      </p:sp>
+      <p:sp>
+        <p:nvSpPr>
+          <p:cNvPr id="3" name="Content Placeholder 2">
+            <a:extLst>
+              <a:ext uri="{FF2B5EF4-FFF2-40B4-BE49-F238E27FC236}">
+                <a16:creationId xmlns:a16="http://schemas.microsoft.com/office/drawing/2014/main" id="{F4F40C17-F030-4629-AC5A-D1031413187E}"/>
+              </a:ext>
+            </a:extLst>
+          </p:cNvPr>
+          <p:cNvSpPr>
+            <a:spLocks noGrp="1"/>
+          </p:cNvSpPr>
+          <p:nvPr>
+            <p:ph idx="1"/>
+          </p:nvPr>
+        </p:nvSpPr>
+        <p:spPr/>
+        <p:txBody>
+          <a:bodyPr/>
+          <a:lstStyle/>
+          <a:p>
+            <a:endParaRPr lang="en-US"/>
+          </a:p>
+        </p:txBody>
+      </p:sp>
+    </p:spTree>
+    <p:extLst>
+      <p:ext uri="{BB962C8B-B14F-4D97-AF65-F5344CB8AC3E}">
+        <p14:creationId xmlns:p14="http://schemas.microsoft.com/office/powerpoint/2010/main" val="3617351736"/>
       </p:ext>
     </p:extLst>
   </p:cSld>

--- a/Intro_to_GENE/0_Getting_started_with_GENE.pptx
+++ b/Intro_to_GENE/0_Getting_started_with_GENE.pptx
@@ -6,14 +6,18 @@
   </p:sldMasterIdLst>
   <p:sldIdLst>
     <p:sldId id="256" r:id="rId2"/>
-    <p:sldId id="260" r:id="rId3"/>
-    <p:sldId id="257" r:id="rId4"/>
-    <p:sldId id="258" r:id="rId5"/>
-    <p:sldId id="261" r:id="rId6"/>
-    <p:sldId id="263" r:id="rId7"/>
-    <p:sldId id="265" r:id="rId8"/>
-    <p:sldId id="259" r:id="rId9"/>
-    <p:sldId id="266" r:id="rId10"/>
+    <p:sldId id="267" r:id="rId3"/>
+    <p:sldId id="260" r:id="rId4"/>
+    <p:sldId id="257" r:id="rId5"/>
+    <p:sldId id="258" r:id="rId6"/>
+    <p:sldId id="261" r:id="rId7"/>
+    <p:sldId id="263" r:id="rId8"/>
+    <p:sldId id="265" r:id="rId9"/>
+    <p:sldId id="259" r:id="rId10"/>
+    <p:sldId id="266" r:id="rId11"/>
+    <p:sldId id="268" r:id="rId12"/>
+    <p:sldId id="269" r:id="rId13"/>
+    <p:sldId id="270" r:id="rId14"/>
   </p:sldIdLst>
   <p:sldSz cx="12192000" cy="6858000"/>
   <p:notesSz cx="6858000" cy="9144000"/>
@@ -279,7 +283,7 @@
           <a:p>
             <a:fld id="{5FC85D78-2920-445E-8686-FA2F3D4A48D8}" type="datetimeFigureOut">
               <a:rPr lang="en-US" smtClean="0"/>
-              <a:t>5/30/2021</a:t>
+              <a:t>5/31/2021</a:t>
             </a:fld>
             <a:endParaRPr lang="en-US"/>
           </a:p>
@@ -477,7 +481,7 @@
           <a:p>
             <a:fld id="{5FC85D78-2920-445E-8686-FA2F3D4A48D8}" type="datetimeFigureOut">
               <a:rPr lang="en-US" smtClean="0"/>
-              <a:t>5/30/2021</a:t>
+              <a:t>5/31/2021</a:t>
             </a:fld>
             <a:endParaRPr lang="en-US"/>
           </a:p>
@@ -685,7 +689,7 @@
           <a:p>
             <a:fld id="{5FC85D78-2920-445E-8686-FA2F3D4A48D8}" type="datetimeFigureOut">
               <a:rPr lang="en-US" smtClean="0"/>
-              <a:t>5/30/2021</a:t>
+              <a:t>5/31/2021</a:t>
             </a:fld>
             <a:endParaRPr lang="en-US"/>
           </a:p>
@@ -883,7 +887,7 @@
           <a:p>
             <a:fld id="{5FC85D78-2920-445E-8686-FA2F3D4A48D8}" type="datetimeFigureOut">
               <a:rPr lang="en-US" smtClean="0"/>
-              <a:t>5/30/2021</a:t>
+              <a:t>5/31/2021</a:t>
             </a:fld>
             <a:endParaRPr lang="en-US"/>
           </a:p>
@@ -1158,7 +1162,7 @@
           <a:p>
             <a:fld id="{5FC85D78-2920-445E-8686-FA2F3D4A48D8}" type="datetimeFigureOut">
               <a:rPr lang="en-US" smtClean="0"/>
-              <a:t>5/30/2021</a:t>
+              <a:t>5/31/2021</a:t>
             </a:fld>
             <a:endParaRPr lang="en-US"/>
           </a:p>
@@ -1423,7 +1427,7 @@
           <a:p>
             <a:fld id="{5FC85D78-2920-445E-8686-FA2F3D4A48D8}" type="datetimeFigureOut">
               <a:rPr lang="en-US" smtClean="0"/>
-              <a:t>5/30/2021</a:t>
+              <a:t>5/31/2021</a:t>
             </a:fld>
             <a:endParaRPr lang="en-US"/>
           </a:p>
@@ -1835,7 +1839,7 @@
           <a:p>
             <a:fld id="{5FC85D78-2920-445E-8686-FA2F3D4A48D8}" type="datetimeFigureOut">
               <a:rPr lang="en-US" smtClean="0"/>
-              <a:t>5/30/2021</a:t>
+              <a:t>5/31/2021</a:t>
             </a:fld>
             <a:endParaRPr lang="en-US"/>
           </a:p>
@@ -1976,7 +1980,7 @@
           <a:p>
             <a:fld id="{5FC85D78-2920-445E-8686-FA2F3D4A48D8}" type="datetimeFigureOut">
               <a:rPr lang="en-US" smtClean="0"/>
-              <a:t>5/30/2021</a:t>
+              <a:t>5/31/2021</a:t>
             </a:fld>
             <a:endParaRPr lang="en-US"/>
           </a:p>
@@ -2089,7 +2093,7 @@
           <a:p>
             <a:fld id="{5FC85D78-2920-445E-8686-FA2F3D4A48D8}" type="datetimeFigureOut">
               <a:rPr lang="en-US" smtClean="0"/>
-              <a:t>5/30/2021</a:t>
+              <a:t>5/31/2021</a:t>
             </a:fld>
             <a:endParaRPr lang="en-US"/>
           </a:p>
@@ -2400,7 +2404,7 @@
           <a:p>
             <a:fld id="{5FC85D78-2920-445E-8686-FA2F3D4A48D8}" type="datetimeFigureOut">
               <a:rPr lang="en-US" smtClean="0"/>
-              <a:t>5/30/2021</a:t>
+              <a:t>5/31/2021</a:t>
             </a:fld>
             <a:endParaRPr lang="en-US"/>
           </a:p>
@@ -2688,7 +2692,7 @@
           <a:p>
             <a:fld id="{5FC85D78-2920-445E-8686-FA2F3D4A48D8}" type="datetimeFigureOut">
               <a:rPr lang="en-US" smtClean="0"/>
-              <a:t>5/30/2021</a:t>
+              <a:t>5/31/2021</a:t>
             </a:fld>
             <a:endParaRPr lang="en-US"/>
           </a:p>
@@ -2929,7 +2933,7 @@
           <a:p>
             <a:fld id="{5FC85D78-2920-445E-8686-FA2F3D4A48D8}" type="datetimeFigureOut">
               <a:rPr lang="en-US" smtClean="0"/>
-              <a:t>5/30/2021</a:t>
+              <a:t>5/31/2021</a:t>
             </a:fld>
             <a:endParaRPr lang="en-US"/>
           </a:p>
@@ -3412,6 +3416,809 @@
 </p:sld>
 </file>
 
+<file path=ppt/slides/slide10.xml><?xml version="1.0" encoding="utf-8"?>
+<p:sld xmlns:a="http://schemas.openxmlformats.org/drawingml/2006/main" xmlns:r="http://schemas.openxmlformats.org/officeDocument/2006/relationships" xmlns:p="http://schemas.openxmlformats.org/presentationml/2006/main">
+  <p:cSld>
+    <p:spTree>
+      <p:nvGrpSpPr>
+        <p:cNvPr id="1" name=""/>
+        <p:cNvGrpSpPr/>
+        <p:nvPr/>
+      </p:nvGrpSpPr>
+      <p:grpSpPr>
+        <a:xfrm>
+          <a:off x="0" y="0"/>
+          <a:ext cx="0" cy="0"/>
+          <a:chOff x="0" y="0"/>
+          <a:chExt cx="0" cy="0"/>
+        </a:xfrm>
+      </p:grpSpPr>
+      <p:sp>
+        <p:nvSpPr>
+          <p:cNvPr id="2" name="Title 1">
+            <a:extLst>
+              <a:ext uri="{FF2B5EF4-FFF2-40B4-BE49-F238E27FC236}">
+                <a16:creationId xmlns:a16="http://schemas.microsoft.com/office/drawing/2014/main" id="{A5AA4825-E4A9-43EA-A8C8-9ADD66F2EA77}"/>
+              </a:ext>
+            </a:extLst>
+          </p:cNvPr>
+          <p:cNvSpPr>
+            <a:spLocks noGrp="1"/>
+          </p:cNvSpPr>
+          <p:nvPr>
+            <p:ph type="title"/>
+          </p:nvPr>
+        </p:nvSpPr>
+        <p:spPr/>
+        <p:txBody>
+          <a:bodyPr/>
+          <a:lstStyle/>
+          <a:p>
+            <a:r>
+              <a:rPr lang="en-US" dirty="0"/>
+              <a:t>Step 5: configure the </a:t>
+            </a:r>
+            <a:r>
+              <a:rPr lang="en-US" dirty="0" err="1"/>
+              <a:t>enviroment</a:t>
+            </a:r>
+            <a:endParaRPr lang="en-US" dirty="0"/>
+          </a:p>
+        </p:txBody>
+      </p:sp>
+      <p:sp>
+        <p:nvSpPr>
+          <p:cNvPr id="3" name="Content Placeholder 2">
+            <a:extLst>
+              <a:ext uri="{FF2B5EF4-FFF2-40B4-BE49-F238E27FC236}">
+                <a16:creationId xmlns:a16="http://schemas.microsoft.com/office/drawing/2014/main" id="{F4F40C17-F030-4629-AC5A-D1031413187E}"/>
+              </a:ext>
+            </a:extLst>
+          </p:cNvPr>
+          <p:cNvSpPr>
+            <a:spLocks noGrp="1"/>
+          </p:cNvSpPr>
+          <p:nvPr>
+            <p:ph idx="1"/>
+          </p:nvPr>
+        </p:nvSpPr>
+        <p:spPr>
+          <a:xfrm>
+            <a:off x="838200" y="1825625"/>
+            <a:ext cx="4186561" cy="4351338"/>
+          </a:xfrm>
+        </p:spPr>
+        <p:txBody>
+          <a:bodyPr/>
+          <a:lstStyle/>
+          <a:p>
+            <a:r>
+              <a:rPr lang="en-US" dirty="0"/>
+              <a:t>Edit  .</a:t>
+            </a:r>
+            <a:r>
+              <a:rPr lang="en-US" dirty="0" err="1"/>
+              <a:t>bashrc.ext</a:t>
+            </a:r>
+            <a:endParaRPr lang="en-US" dirty="0"/>
+          </a:p>
+          <a:p>
+            <a:r>
+              <a:rPr lang="en-US" dirty="0"/>
+              <a:t>Adding the following line on the right </a:t>
+            </a:r>
+          </a:p>
+          <a:p>
+            <a:r>
+              <a:rPr lang="en-US" dirty="0"/>
+              <a:t>Save and exit</a:t>
+            </a:r>
+          </a:p>
+          <a:p>
+            <a:r>
+              <a:rPr lang="en-US" dirty="0"/>
+              <a:t>Source by typing  </a:t>
+            </a:r>
+          </a:p>
+          <a:p>
+            <a:pPr marL="0" indent="0">
+              <a:buNone/>
+            </a:pPr>
+            <a:r>
+              <a:rPr lang="en-US" dirty="0"/>
+              <a:t>   source ~/.</a:t>
+            </a:r>
+            <a:r>
+              <a:rPr lang="en-US" dirty="0" err="1"/>
+              <a:t>bashrc.ext</a:t>
+            </a:r>
+            <a:endParaRPr lang="en-US" dirty="0"/>
+          </a:p>
+          <a:p>
+            <a:endParaRPr lang="en-US" dirty="0"/>
+          </a:p>
+        </p:txBody>
+      </p:sp>
+      <p:pic>
+        <p:nvPicPr>
+          <p:cNvPr id="5" name="Picture 4">
+            <a:extLst>
+              <a:ext uri="{FF2B5EF4-FFF2-40B4-BE49-F238E27FC236}">
+                <a16:creationId xmlns:a16="http://schemas.microsoft.com/office/drawing/2014/main" id="{8C6149A9-2B4F-4719-B05F-4EE17F6D2E71}"/>
+              </a:ext>
+            </a:extLst>
+          </p:cNvPr>
+          <p:cNvPicPr>
+            <a:picLocks noChangeAspect="1"/>
+          </p:cNvPicPr>
+          <p:nvPr/>
+        </p:nvPicPr>
+        <p:blipFill>
+          <a:blip r:embed="rId2"/>
+          <a:stretch>
+            <a:fillRect/>
+          </a:stretch>
+        </p:blipFill>
+        <p:spPr>
+          <a:xfrm>
+            <a:off x="10039243" y="1378451"/>
+            <a:ext cx="866896" cy="219106"/>
+          </a:xfrm>
+          <a:prstGeom prst="rect">
+            <a:avLst/>
+          </a:prstGeom>
+        </p:spPr>
+      </p:pic>
+      <p:sp>
+        <p:nvSpPr>
+          <p:cNvPr id="7" name="TextBox 6">
+            <a:extLst>
+              <a:ext uri="{FF2B5EF4-FFF2-40B4-BE49-F238E27FC236}">
+                <a16:creationId xmlns:a16="http://schemas.microsoft.com/office/drawing/2014/main" id="{8B170DB8-F304-4B92-9C25-0E36D000D0D4}"/>
+              </a:ext>
+            </a:extLst>
+          </p:cNvPr>
+          <p:cNvSpPr txBox="1"/>
+          <p:nvPr/>
+        </p:nvSpPr>
+        <p:spPr>
+          <a:xfrm>
+            <a:off x="5786762" y="1825625"/>
+            <a:ext cx="6094520" cy="3139321"/>
+          </a:xfrm>
+          <a:prstGeom prst="rect">
+            <a:avLst/>
+          </a:prstGeom>
+          <a:noFill/>
+        </p:spPr>
+        <p:txBody>
+          <a:bodyPr wrap="square">
+            <a:spAutoFit/>
+          </a:bodyPr>
+          <a:lstStyle/>
+          <a:p>
+            <a:r>
+              <a:rPr lang="en-US" dirty="0"/>
+              <a:t>module swap </a:t>
+            </a:r>
+            <a:r>
+              <a:rPr lang="en-US" dirty="0" err="1"/>
+              <a:t>craype-haswell</a:t>
+            </a:r>
+            <a:r>
+              <a:rPr lang="en-US" dirty="0"/>
+              <a:t> </a:t>
+            </a:r>
+            <a:r>
+              <a:rPr lang="en-US" dirty="0" err="1"/>
+              <a:t>craype</a:t>
+            </a:r>
+            <a:r>
+              <a:rPr lang="en-US" dirty="0"/>
+              <a:t>-mic-</a:t>
+            </a:r>
+            <a:r>
+              <a:rPr lang="en-US" dirty="0" err="1"/>
+              <a:t>knl</a:t>
+            </a:r>
+            <a:endParaRPr lang="en-US" dirty="0"/>
+          </a:p>
+          <a:p>
+            <a:r>
+              <a:rPr lang="en-US" dirty="0"/>
+              <a:t>module load </a:t>
+            </a:r>
+            <a:r>
+              <a:rPr lang="en-US" dirty="0" err="1"/>
+              <a:t>gnuplot</a:t>
+            </a:r>
+            <a:r>
+              <a:rPr lang="en-US" dirty="0"/>
+              <a:t>/5.2.5</a:t>
+            </a:r>
+          </a:p>
+          <a:p>
+            <a:r>
+              <a:rPr lang="en-US" dirty="0"/>
+              <a:t>module load </a:t>
+            </a:r>
+            <a:r>
+              <a:rPr lang="en-US" dirty="0" err="1"/>
+              <a:t>nsg</a:t>
+            </a:r>
+            <a:r>
+              <a:rPr lang="en-US" dirty="0"/>
+              <a:t> </a:t>
+            </a:r>
+            <a:r>
+              <a:rPr lang="en-US" dirty="0" err="1"/>
+              <a:t>craype</a:t>
+            </a:r>
+            <a:r>
+              <a:rPr lang="en-US" dirty="0"/>
+              <a:t> </a:t>
+            </a:r>
+            <a:r>
+              <a:rPr lang="en-US" dirty="0" err="1"/>
+              <a:t>PrgEnv</a:t>
+            </a:r>
+            <a:r>
+              <a:rPr lang="en-US" dirty="0"/>
+              <a:t>-intel</a:t>
+            </a:r>
+          </a:p>
+          <a:p>
+            <a:r>
+              <a:rPr lang="en-US" dirty="0"/>
+              <a:t>module load </a:t>
+            </a:r>
+            <a:r>
+              <a:rPr lang="en-US" dirty="0" err="1"/>
+              <a:t>PrgEnv</a:t>
+            </a:r>
+            <a:r>
+              <a:rPr lang="en-US" dirty="0"/>
+              <a:t>-intel</a:t>
+            </a:r>
+          </a:p>
+          <a:p>
+            <a:r>
+              <a:rPr lang="en-US" dirty="0"/>
+              <a:t>module load </a:t>
+            </a:r>
+            <a:r>
+              <a:rPr lang="en-US" dirty="0" err="1"/>
+              <a:t>atp</a:t>
+            </a:r>
+            <a:r>
+              <a:rPr lang="en-US" dirty="0"/>
+              <a:t> cray-</a:t>
+            </a:r>
+            <a:r>
+              <a:rPr lang="en-US" dirty="0" err="1"/>
+              <a:t>mpich</a:t>
+            </a:r>
+            <a:r>
+              <a:rPr lang="en-US" dirty="0"/>
+              <a:t> cray-</a:t>
+            </a:r>
+            <a:r>
+              <a:rPr lang="en-US" dirty="0" err="1"/>
+              <a:t>fftw</a:t>
+            </a:r>
+            <a:endParaRPr lang="en-US" dirty="0"/>
+          </a:p>
+          <a:p>
+            <a:r>
+              <a:rPr lang="en-US" dirty="0"/>
+              <a:t>module load cray-hdf5-parallel </a:t>
+            </a:r>
+            <a:r>
+              <a:rPr lang="en-US" dirty="0" err="1"/>
+              <a:t>altd</a:t>
+            </a:r>
+            <a:r>
+              <a:rPr lang="en-US" dirty="0"/>
+              <a:t> darshan</a:t>
+            </a:r>
+          </a:p>
+          <a:p>
+            <a:r>
+              <a:rPr lang="en-US" dirty="0"/>
+              <a:t>module load cray­-</a:t>
+            </a:r>
+            <a:r>
+              <a:rPr lang="en-US" dirty="0" err="1"/>
+              <a:t>petsc</a:t>
+            </a:r>
+            <a:r>
+              <a:rPr lang="en-US" dirty="0"/>
+              <a:t>­-complex</a:t>
+            </a:r>
+          </a:p>
+          <a:p>
+            <a:r>
+              <a:rPr lang="en-US" dirty="0"/>
+              <a:t>module load cray­-</a:t>
+            </a:r>
+            <a:r>
+              <a:rPr lang="en-US" dirty="0" err="1"/>
+              <a:t>fftw</a:t>
+            </a:r>
+            <a:endParaRPr lang="en-US" dirty="0"/>
+          </a:p>
+          <a:p>
+            <a:r>
+              <a:rPr lang="en-US" dirty="0"/>
+              <a:t>module load cray­-hdf5­-parallel</a:t>
+            </a:r>
+          </a:p>
+          <a:p>
+            <a:r>
+              <a:rPr lang="en-US" dirty="0"/>
+              <a:t>module load </a:t>
+            </a:r>
+            <a:r>
+              <a:rPr lang="en-US" dirty="0" err="1"/>
+              <a:t>craype</a:t>
+            </a:r>
+            <a:endParaRPr lang="en-US" dirty="0"/>
+          </a:p>
+          <a:p>
+            <a:r>
+              <a:rPr lang="en-US" dirty="0"/>
+              <a:t>module load python</a:t>
+            </a:r>
+          </a:p>
+        </p:txBody>
+      </p:sp>
+    </p:spTree>
+    <p:extLst>
+      <p:ext uri="{BB962C8B-B14F-4D97-AF65-F5344CB8AC3E}">
+        <p14:creationId xmlns:p14="http://schemas.microsoft.com/office/powerpoint/2010/main" val="3617351736"/>
+      </p:ext>
+    </p:extLst>
+  </p:cSld>
+  <p:clrMapOvr>
+    <a:masterClrMapping/>
+  </p:clrMapOvr>
+</p:sld>
+</file>
+
+<file path=ppt/slides/slide11.xml><?xml version="1.0" encoding="utf-8"?>
+<p:sld xmlns:a="http://schemas.openxmlformats.org/drawingml/2006/main" xmlns:r="http://schemas.openxmlformats.org/officeDocument/2006/relationships" xmlns:p="http://schemas.openxmlformats.org/presentationml/2006/main">
+  <p:cSld>
+    <p:spTree>
+      <p:nvGrpSpPr>
+        <p:cNvPr id="1" name=""/>
+        <p:cNvGrpSpPr/>
+        <p:nvPr/>
+      </p:nvGrpSpPr>
+      <p:grpSpPr>
+        <a:xfrm>
+          <a:off x="0" y="0"/>
+          <a:ext cx="0" cy="0"/>
+          <a:chOff x="0" y="0"/>
+          <a:chExt cx="0" cy="0"/>
+        </a:xfrm>
+      </p:grpSpPr>
+      <p:sp>
+        <p:nvSpPr>
+          <p:cNvPr id="2" name="Title 1">
+            <a:extLst>
+              <a:ext uri="{FF2B5EF4-FFF2-40B4-BE49-F238E27FC236}">
+                <a16:creationId xmlns:a16="http://schemas.microsoft.com/office/drawing/2014/main" id="{1F6BB522-740C-4BF5-B723-CEBE39128071}"/>
+              </a:ext>
+            </a:extLst>
+          </p:cNvPr>
+          <p:cNvSpPr>
+            <a:spLocks noGrp="1"/>
+          </p:cNvSpPr>
+          <p:nvPr>
+            <p:ph type="title"/>
+          </p:nvPr>
+        </p:nvSpPr>
+        <p:spPr/>
+        <p:txBody>
+          <a:bodyPr/>
+          <a:lstStyle/>
+          <a:p>
+            <a:r>
+              <a:rPr lang="en-US" dirty="0"/>
+              <a:t>Step 6: Compile</a:t>
+            </a:r>
+          </a:p>
+        </p:txBody>
+      </p:sp>
+      <p:sp>
+        <p:nvSpPr>
+          <p:cNvPr id="3" name="Content Placeholder 2">
+            <a:extLst>
+              <a:ext uri="{FF2B5EF4-FFF2-40B4-BE49-F238E27FC236}">
+                <a16:creationId xmlns:a16="http://schemas.microsoft.com/office/drawing/2014/main" id="{93104878-5336-44FC-B17C-9EE85C2F27A8}"/>
+              </a:ext>
+            </a:extLst>
+          </p:cNvPr>
+          <p:cNvSpPr>
+            <a:spLocks noGrp="1"/>
+          </p:cNvSpPr>
+          <p:nvPr>
+            <p:ph idx="1"/>
+          </p:nvPr>
+        </p:nvSpPr>
+        <p:spPr/>
+        <p:txBody>
+          <a:bodyPr/>
+          <a:lstStyle/>
+          <a:p>
+            <a:r>
+              <a:rPr lang="en-US" dirty="0"/>
+              <a:t>Getting into the director of genecode2</a:t>
+            </a:r>
+          </a:p>
+          <a:p>
+            <a:pPr marL="0" indent="0">
+              <a:buNone/>
+            </a:pPr>
+            <a:r>
+              <a:rPr lang="en-US" dirty="0"/>
+              <a:t>    cd genecode2</a:t>
+            </a:r>
+          </a:p>
+          <a:p>
+            <a:r>
+              <a:rPr lang="en-US" dirty="0"/>
+              <a:t>Compile and wait to finish</a:t>
+            </a:r>
+          </a:p>
+          <a:p>
+            <a:pPr marL="0" indent="0">
+              <a:buNone/>
+            </a:pPr>
+            <a:r>
+              <a:rPr lang="en-US" dirty="0"/>
+              <a:t>    </a:t>
+            </a:r>
+            <a:r>
+              <a:rPr lang="en-US" dirty="0" err="1"/>
+              <a:t>gmake</a:t>
+            </a:r>
+            <a:endParaRPr lang="en-US" dirty="0"/>
+          </a:p>
+        </p:txBody>
+      </p:sp>
+      <p:pic>
+        <p:nvPicPr>
+          <p:cNvPr id="5" name="Picture 4">
+            <a:extLst>
+              <a:ext uri="{FF2B5EF4-FFF2-40B4-BE49-F238E27FC236}">
+                <a16:creationId xmlns:a16="http://schemas.microsoft.com/office/drawing/2014/main" id="{17365DD3-4FB9-4964-B691-E2B90469648A}"/>
+              </a:ext>
+            </a:extLst>
+          </p:cNvPr>
+          <p:cNvPicPr>
+            <a:picLocks noChangeAspect="1"/>
+          </p:cNvPicPr>
+          <p:nvPr/>
+        </p:nvPicPr>
+        <p:blipFill>
+          <a:blip r:embed="rId2"/>
+          <a:stretch>
+            <a:fillRect/>
+          </a:stretch>
+        </p:blipFill>
+        <p:spPr>
+          <a:xfrm>
+            <a:off x="7314231" y="1823496"/>
+            <a:ext cx="3267531" cy="390580"/>
+          </a:xfrm>
+          <a:prstGeom prst="rect">
+            <a:avLst/>
+          </a:prstGeom>
+        </p:spPr>
+      </p:pic>
+    </p:spTree>
+    <p:extLst>
+      <p:ext uri="{BB962C8B-B14F-4D97-AF65-F5344CB8AC3E}">
+        <p14:creationId xmlns:p14="http://schemas.microsoft.com/office/powerpoint/2010/main" val="204394725"/>
+      </p:ext>
+    </p:extLst>
+  </p:cSld>
+  <p:clrMapOvr>
+    <a:masterClrMapping/>
+  </p:clrMapOvr>
+</p:sld>
+</file>
+
+<file path=ppt/slides/slide12.xml><?xml version="1.0" encoding="utf-8"?>
+<p:sld xmlns:a="http://schemas.openxmlformats.org/drawingml/2006/main" xmlns:r="http://schemas.openxmlformats.org/officeDocument/2006/relationships" xmlns:p="http://schemas.openxmlformats.org/presentationml/2006/main">
+  <p:cSld>
+    <p:spTree>
+      <p:nvGrpSpPr>
+        <p:cNvPr id="1" name=""/>
+        <p:cNvGrpSpPr/>
+        <p:nvPr/>
+      </p:nvGrpSpPr>
+      <p:grpSpPr>
+        <a:xfrm>
+          <a:off x="0" y="0"/>
+          <a:ext cx="0" cy="0"/>
+          <a:chOff x="0" y="0"/>
+          <a:chExt cx="0" cy="0"/>
+        </a:xfrm>
+      </p:grpSpPr>
+      <p:sp>
+        <p:nvSpPr>
+          <p:cNvPr id="2" name="Title 1">
+            <a:extLst>
+              <a:ext uri="{FF2B5EF4-FFF2-40B4-BE49-F238E27FC236}">
+                <a16:creationId xmlns:a16="http://schemas.microsoft.com/office/drawing/2014/main" id="{6F64CA57-46B1-4972-A94C-718C06E3E98F}"/>
+              </a:ext>
+            </a:extLst>
+          </p:cNvPr>
+          <p:cNvSpPr>
+            <a:spLocks noGrp="1"/>
+          </p:cNvSpPr>
+          <p:nvPr>
+            <p:ph type="title"/>
+          </p:nvPr>
+        </p:nvSpPr>
+        <p:spPr/>
+        <p:txBody>
+          <a:bodyPr/>
+          <a:lstStyle/>
+          <a:p>
+            <a:r>
+              <a:rPr lang="en-US" dirty="0"/>
+              <a:t>Step7: Test</a:t>
+            </a:r>
+          </a:p>
+        </p:txBody>
+      </p:sp>
+      <p:sp>
+        <p:nvSpPr>
+          <p:cNvPr id="3" name="Content Placeholder 2">
+            <a:extLst>
+              <a:ext uri="{FF2B5EF4-FFF2-40B4-BE49-F238E27FC236}">
+                <a16:creationId xmlns:a16="http://schemas.microsoft.com/office/drawing/2014/main" id="{D6865AC4-1EF7-4920-A421-201222B32D45}"/>
+              </a:ext>
+            </a:extLst>
+          </p:cNvPr>
+          <p:cNvSpPr>
+            <a:spLocks noGrp="1"/>
+          </p:cNvSpPr>
+          <p:nvPr>
+            <p:ph idx="1"/>
+          </p:nvPr>
+        </p:nvSpPr>
+        <p:spPr/>
+        <p:txBody>
+          <a:bodyPr/>
+          <a:lstStyle/>
+          <a:p>
+            <a:r>
+              <a:rPr lang="en-US" dirty="0"/>
+              <a:t>Create a new prob</a:t>
+            </a:r>
+          </a:p>
+          <a:p>
+            <a:pPr marL="0" indent="0">
+              <a:buNone/>
+            </a:pPr>
+            <a:r>
+              <a:rPr lang="en-US" dirty="0"/>
+              <a:t>    ./</a:t>
+            </a:r>
+            <a:r>
+              <a:rPr lang="en-US" dirty="0" err="1"/>
+              <a:t>newprob</a:t>
+            </a:r>
+            <a:endParaRPr lang="en-US" dirty="0"/>
+          </a:p>
+          <a:p>
+            <a:r>
+              <a:rPr lang="en-US" dirty="0"/>
+              <a:t>Enter the directory </a:t>
+            </a:r>
+          </a:p>
+          <a:p>
+            <a:pPr marL="0" indent="0">
+              <a:buNone/>
+            </a:pPr>
+            <a:r>
+              <a:rPr lang="en-US" dirty="0"/>
+              <a:t>    cd prob01/</a:t>
+            </a:r>
+          </a:p>
+          <a:p>
+            <a:r>
+              <a:rPr lang="en-US" dirty="0"/>
+              <a:t>Submit the simulation job to debug queues</a:t>
+            </a:r>
+          </a:p>
+          <a:p>
+            <a:pPr marL="0" indent="0">
+              <a:buNone/>
+            </a:pPr>
+            <a:r>
+              <a:rPr lang="en-US" dirty="0"/>
+              <a:t>    </a:t>
+            </a:r>
+            <a:r>
+              <a:rPr lang="en-US" dirty="0" err="1"/>
+              <a:t>sbatch</a:t>
+            </a:r>
+            <a:r>
+              <a:rPr lang="en-US" dirty="0"/>
+              <a:t> submit_knl.cmd</a:t>
+            </a:r>
+          </a:p>
+          <a:p>
+            <a:r>
+              <a:rPr lang="en-US" dirty="0"/>
+              <a:t>Check the status of the job</a:t>
+            </a:r>
+          </a:p>
+          <a:p>
+            <a:pPr marL="0" indent="0">
+              <a:buNone/>
+            </a:pPr>
+            <a:r>
+              <a:rPr lang="en-US" dirty="0"/>
+              <a:t>    </a:t>
+            </a:r>
+            <a:r>
+              <a:rPr lang="en-US" dirty="0" err="1"/>
+              <a:t>squeue</a:t>
+            </a:r>
+            <a:r>
+              <a:rPr lang="en-US" dirty="0"/>
+              <a:t> -u username</a:t>
+            </a:r>
+          </a:p>
+        </p:txBody>
+      </p:sp>
+    </p:spTree>
+    <p:extLst>
+      <p:ext uri="{BB962C8B-B14F-4D97-AF65-F5344CB8AC3E}">
+        <p14:creationId xmlns:p14="http://schemas.microsoft.com/office/powerpoint/2010/main" val="3816038374"/>
+      </p:ext>
+    </p:extLst>
+  </p:cSld>
+  <p:clrMapOvr>
+    <a:masterClrMapping/>
+  </p:clrMapOvr>
+</p:sld>
+</file>
+
+<file path=ppt/slides/slide13.xml><?xml version="1.0" encoding="utf-8"?>
+<p:sld xmlns:a="http://schemas.openxmlformats.org/drawingml/2006/main" xmlns:r="http://schemas.openxmlformats.org/officeDocument/2006/relationships" xmlns:p="http://schemas.openxmlformats.org/presentationml/2006/main">
+  <p:cSld>
+    <p:spTree>
+      <p:nvGrpSpPr>
+        <p:cNvPr id="1" name=""/>
+        <p:cNvGrpSpPr/>
+        <p:nvPr/>
+      </p:nvGrpSpPr>
+      <p:grpSpPr>
+        <a:xfrm>
+          <a:off x="0" y="0"/>
+          <a:ext cx="0" cy="0"/>
+          <a:chOff x="0" y="0"/>
+          <a:chExt cx="0" cy="0"/>
+        </a:xfrm>
+      </p:grpSpPr>
+      <p:sp>
+        <p:nvSpPr>
+          <p:cNvPr id="2" name="Title 1">
+            <a:extLst>
+              <a:ext uri="{FF2B5EF4-FFF2-40B4-BE49-F238E27FC236}">
+                <a16:creationId xmlns:a16="http://schemas.microsoft.com/office/drawing/2014/main" id="{3FE40362-AB74-4FCD-B445-8751CB4A75D0}"/>
+              </a:ext>
+            </a:extLst>
+          </p:cNvPr>
+          <p:cNvSpPr>
+            <a:spLocks noGrp="1"/>
+          </p:cNvSpPr>
+          <p:nvPr>
+            <p:ph type="title"/>
+          </p:nvPr>
+        </p:nvSpPr>
+        <p:spPr/>
+        <p:txBody>
+          <a:bodyPr/>
+          <a:lstStyle/>
+          <a:p>
+            <a:r>
+              <a:rPr lang="en-US" dirty="0"/>
+              <a:t>Good reference</a:t>
+            </a:r>
+          </a:p>
+        </p:txBody>
+      </p:sp>
+      <p:sp>
+        <p:nvSpPr>
+          <p:cNvPr id="3" name="Content Placeholder 2">
+            <a:extLst>
+              <a:ext uri="{FF2B5EF4-FFF2-40B4-BE49-F238E27FC236}">
+                <a16:creationId xmlns:a16="http://schemas.microsoft.com/office/drawing/2014/main" id="{A5C2AA06-7F54-419B-8E5E-BBD17286573C}"/>
+              </a:ext>
+            </a:extLst>
+          </p:cNvPr>
+          <p:cNvSpPr>
+            <a:spLocks noGrp="1"/>
+          </p:cNvSpPr>
+          <p:nvPr>
+            <p:ph idx="1"/>
+          </p:nvPr>
+        </p:nvSpPr>
+        <p:spPr/>
+        <p:txBody>
+          <a:bodyPr/>
+          <a:lstStyle/>
+          <a:p>
+            <a:r>
+              <a:rPr lang="en-US" dirty="0"/>
+              <a:t>GENE manual</a:t>
+            </a:r>
+          </a:p>
+          <a:p>
+            <a:r>
+              <a:rPr lang="en-US" dirty="0"/>
+              <a:t>Merz paper: </a:t>
+            </a:r>
+            <a:r>
+              <a:rPr lang="en-US" dirty="0">
+                <a:hlinkClick r:id="rId2"/>
+              </a:rPr>
+              <a:t>http://genecode.org/PAPERS_1/merz.pdf</a:t>
+            </a:r>
+            <a:endParaRPr lang="en-US" dirty="0"/>
+          </a:p>
+          <a:p>
+            <a:r>
+              <a:rPr lang="en-US" dirty="0"/>
+              <a:t>Note from the author: </a:t>
+            </a:r>
+            <a:r>
+              <a:rPr lang="en-US" dirty="0">
+                <a:hlinkClick r:id="rId3"/>
+              </a:rPr>
+              <a:t>https://www.overleaf.com/read/wtbjzpvkmktw</a:t>
+            </a:r>
+            <a:endParaRPr lang="en-US" dirty="0"/>
+          </a:p>
+          <a:p>
+            <a:r>
+              <a:rPr lang="en-US" dirty="0"/>
+              <a:t>Video series from the author : </a:t>
+            </a:r>
+            <a:r>
+              <a:rPr lang="en-US" dirty="0">
+                <a:hlinkClick r:id="rId4"/>
+              </a:rPr>
+              <a:t>https://youtube.com/playlist?list=PLgNi5MiqkBWZqdiHhKQqXiMqsWCFjJXr8</a:t>
+            </a:r>
+            <a:endParaRPr lang="en-US" dirty="0"/>
+          </a:p>
+          <a:p>
+            <a:endParaRPr lang="en-US" dirty="0"/>
+          </a:p>
+        </p:txBody>
+      </p:sp>
+    </p:spTree>
+    <p:extLst>
+      <p:ext uri="{BB962C8B-B14F-4D97-AF65-F5344CB8AC3E}">
+        <p14:creationId xmlns:p14="http://schemas.microsoft.com/office/powerpoint/2010/main" val="2079316113"/>
+      </p:ext>
+    </p:extLst>
+  </p:cSld>
+  <p:clrMapOvr>
+    <a:masterClrMapping/>
+  </p:clrMapOvr>
+</p:sld>
+</file>
+
 <file path=ppt/slides/slide2.xml><?xml version="1.0" encoding="utf-8"?>
 <p:sld xmlns:a="http://schemas.openxmlformats.org/drawingml/2006/main" xmlns:r="http://schemas.openxmlformats.org/officeDocument/2006/relationships" xmlns:p="http://schemas.openxmlformats.org/presentationml/2006/main">
   <p:cSld>
@@ -3434,6 +4241,129 @@
           <p:cNvPr id="2" name="Title 1">
             <a:extLst>
               <a:ext uri="{FF2B5EF4-FFF2-40B4-BE49-F238E27FC236}">
+                <a16:creationId xmlns:a16="http://schemas.microsoft.com/office/drawing/2014/main" id="{A69D4B13-9C50-40A7-94D8-C3C1F216E30F}"/>
+              </a:ext>
+            </a:extLst>
+          </p:cNvPr>
+          <p:cNvSpPr>
+            <a:spLocks noGrp="1"/>
+          </p:cNvSpPr>
+          <p:nvPr>
+            <p:ph type="title"/>
+          </p:nvPr>
+        </p:nvSpPr>
+        <p:spPr/>
+        <p:txBody>
+          <a:bodyPr/>
+          <a:lstStyle/>
+          <a:p>
+            <a:r>
+              <a:rPr lang="en-US" dirty="0"/>
+              <a:t>Overview</a:t>
+            </a:r>
+          </a:p>
+        </p:txBody>
+      </p:sp>
+      <p:sp>
+        <p:nvSpPr>
+          <p:cNvPr id="3" name="Content Placeholder 2">
+            <a:extLst>
+              <a:ext uri="{FF2B5EF4-FFF2-40B4-BE49-F238E27FC236}">
+                <a16:creationId xmlns:a16="http://schemas.microsoft.com/office/drawing/2014/main" id="{B5008A48-618E-485E-9350-DF91DA81A08D}"/>
+              </a:ext>
+            </a:extLst>
+          </p:cNvPr>
+          <p:cNvSpPr>
+            <a:spLocks noGrp="1"/>
+          </p:cNvSpPr>
+          <p:nvPr>
+            <p:ph idx="1"/>
+          </p:nvPr>
+        </p:nvSpPr>
+        <p:spPr/>
+        <p:txBody>
+          <a:bodyPr/>
+          <a:lstStyle/>
+          <a:p>
+            <a:r>
+              <a:rPr lang="en-US" dirty="0"/>
+              <a:t>Step1: Request access to GENE code</a:t>
+            </a:r>
+          </a:p>
+          <a:p>
+            <a:r>
+              <a:rPr lang="en-US" dirty="0"/>
+              <a:t>Step2: Request allocations of a server</a:t>
+            </a:r>
+          </a:p>
+          <a:p>
+            <a:r>
+              <a:rPr lang="en-US" dirty="0"/>
+              <a:t>Step3(3 options): Login to the server via terminal</a:t>
+            </a:r>
+          </a:p>
+          <a:p>
+            <a:r>
+              <a:rPr lang="en-US" dirty="0"/>
+              <a:t>Step4: Download the code to server</a:t>
+            </a:r>
+          </a:p>
+          <a:p>
+            <a:r>
+              <a:rPr lang="en-US" dirty="0"/>
+              <a:t>Step 5: configure the environment</a:t>
+            </a:r>
+          </a:p>
+          <a:p>
+            <a:r>
+              <a:rPr lang="en-US" dirty="0"/>
+              <a:t>Step 6: Compile</a:t>
+            </a:r>
+          </a:p>
+          <a:p>
+            <a:r>
+              <a:rPr lang="en-US"/>
+              <a:t>Step7: Test</a:t>
+            </a:r>
+            <a:endParaRPr lang="en-US" dirty="0"/>
+          </a:p>
+        </p:txBody>
+      </p:sp>
+    </p:spTree>
+    <p:extLst>
+      <p:ext uri="{BB962C8B-B14F-4D97-AF65-F5344CB8AC3E}">
+        <p14:creationId xmlns:p14="http://schemas.microsoft.com/office/powerpoint/2010/main" val="1167610884"/>
+      </p:ext>
+    </p:extLst>
+  </p:cSld>
+  <p:clrMapOvr>
+    <a:masterClrMapping/>
+  </p:clrMapOvr>
+</p:sld>
+</file>
+
+<file path=ppt/slides/slide3.xml><?xml version="1.0" encoding="utf-8"?>
+<p:sld xmlns:a="http://schemas.openxmlformats.org/drawingml/2006/main" xmlns:r="http://schemas.openxmlformats.org/officeDocument/2006/relationships" xmlns:p="http://schemas.openxmlformats.org/presentationml/2006/main">
+  <p:cSld>
+    <p:spTree>
+      <p:nvGrpSpPr>
+        <p:cNvPr id="1" name=""/>
+        <p:cNvGrpSpPr/>
+        <p:nvPr/>
+      </p:nvGrpSpPr>
+      <p:grpSpPr>
+        <a:xfrm>
+          <a:off x="0" y="0"/>
+          <a:ext cx="0" cy="0"/>
+          <a:chOff x="0" y="0"/>
+          <a:chExt cx="0" cy="0"/>
+        </a:xfrm>
+      </p:grpSpPr>
+      <p:sp>
+        <p:nvSpPr>
+          <p:cNvPr id="2" name="Title 1">
+            <a:extLst>
+              <a:ext uri="{FF2B5EF4-FFF2-40B4-BE49-F238E27FC236}">
                 <a16:creationId xmlns:a16="http://schemas.microsoft.com/office/drawing/2014/main" id="{93590A12-D014-417E-8C90-849ECA487B39}"/>
               </a:ext>
             </a:extLst>
@@ -3622,7 +4552,7 @@
 </p:sld>
 </file>
 
-<file path=ppt/slides/slide3.xml><?xml version="1.0" encoding="utf-8"?>
+<file path=ppt/slides/slide4.xml><?xml version="1.0" encoding="utf-8"?>
 <p:sld xmlns:a="http://schemas.openxmlformats.org/drawingml/2006/main" xmlns:r="http://schemas.openxmlformats.org/officeDocument/2006/relationships" xmlns:p="http://schemas.openxmlformats.org/presentationml/2006/main">
   <p:cSld>
     <p:spTree>
@@ -3781,7 +4711,7 @@
 </p:sld>
 </file>
 
-<file path=ppt/slides/slide4.xml><?xml version="1.0" encoding="utf-8"?>
+<file path=ppt/slides/slide5.xml><?xml version="1.0" encoding="utf-8"?>
 <p:sld xmlns:a="http://schemas.openxmlformats.org/drawingml/2006/main" xmlns:r="http://schemas.openxmlformats.org/officeDocument/2006/relationships" xmlns:p="http://schemas.openxmlformats.org/presentationml/2006/main">
   <p:cSld>
     <p:spTree>
@@ -3938,7 +4868,7 @@
 </p:sld>
 </file>
 
-<file path=ppt/slides/slide5.xml><?xml version="1.0" encoding="utf-8"?>
+<file path=ppt/slides/slide6.xml><?xml version="1.0" encoding="utf-8"?>
 <p:sld xmlns:a="http://schemas.openxmlformats.org/drawingml/2006/main" xmlns:r="http://schemas.openxmlformats.org/officeDocument/2006/relationships" xmlns:p="http://schemas.openxmlformats.org/presentationml/2006/main">
   <p:cSld>
     <p:spTree>
@@ -4143,7 +5073,7 @@
 </p:sld>
 </file>
 
-<file path=ppt/slides/slide6.xml><?xml version="1.0" encoding="utf-8"?>
+<file path=ppt/slides/slide7.xml><?xml version="1.0" encoding="utf-8"?>
 <p:sld xmlns:a="http://schemas.openxmlformats.org/drawingml/2006/main" xmlns:r="http://schemas.openxmlformats.org/officeDocument/2006/relationships" xmlns:p="http://schemas.openxmlformats.org/presentationml/2006/main">
   <p:cSld>
     <p:spTree>
@@ -4323,7 +5253,7 @@
 </p:sld>
 </file>
 
-<file path=ppt/slides/slide7.xml><?xml version="1.0" encoding="utf-8"?>
+<file path=ppt/slides/slide8.xml><?xml version="1.0" encoding="utf-8"?>
 <p:sld xmlns:a="http://schemas.openxmlformats.org/drawingml/2006/main" xmlns:r="http://schemas.openxmlformats.org/officeDocument/2006/relationships" xmlns:p="http://schemas.openxmlformats.org/presentationml/2006/main">
   <p:cSld>
     <p:spTree>
@@ -4567,7 +5497,7 @@
 </p:sld>
 </file>
 
-<file path=ppt/slides/slide8.xml><?xml version="1.0" encoding="utf-8"?>
+<file path=ppt/slides/slide9.xml><?xml version="1.0" encoding="utf-8"?>
 <p:sld xmlns:a="http://schemas.openxmlformats.org/drawingml/2006/main" xmlns:r="http://schemas.openxmlformats.org/officeDocument/2006/relationships" xmlns:p="http://schemas.openxmlformats.org/presentationml/2006/main">
   <p:cSld>
     <p:spTree>
@@ -4728,93 +5658,6 @@
     <p:extLst>
       <p:ext uri="{BB962C8B-B14F-4D97-AF65-F5344CB8AC3E}">
         <p14:creationId xmlns:p14="http://schemas.microsoft.com/office/powerpoint/2010/main" val="334137387"/>
-      </p:ext>
-    </p:extLst>
-  </p:cSld>
-  <p:clrMapOvr>
-    <a:masterClrMapping/>
-  </p:clrMapOvr>
-</p:sld>
-</file>
-
-<file path=ppt/slides/slide9.xml><?xml version="1.0" encoding="utf-8"?>
-<p:sld xmlns:a="http://schemas.openxmlformats.org/drawingml/2006/main" xmlns:r="http://schemas.openxmlformats.org/officeDocument/2006/relationships" xmlns:p="http://schemas.openxmlformats.org/presentationml/2006/main">
-  <p:cSld>
-    <p:spTree>
-      <p:nvGrpSpPr>
-        <p:cNvPr id="1" name=""/>
-        <p:cNvGrpSpPr/>
-        <p:nvPr/>
-      </p:nvGrpSpPr>
-      <p:grpSpPr>
-        <a:xfrm>
-          <a:off x="0" y="0"/>
-          <a:ext cx="0" cy="0"/>
-          <a:chOff x="0" y="0"/>
-          <a:chExt cx="0" cy="0"/>
-        </a:xfrm>
-      </p:grpSpPr>
-      <p:sp>
-        <p:nvSpPr>
-          <p:cNvPr id="2" name="Title 1">
-            <a:extLst>
-              <a:ext uri="{FF2B5EF4-FFF2-40B4-BE49-F238E27FC236}">
-                <a16:creationId xmlns:a16="http://schemas.microsoft.com/office/drawing/2014/main" id="{A5AA4825-E4A9-43EA-A8C8-9ADD66F2EA77}"/>
-              </a:ext>
-            </a:extLst>
-          </p:cNvPr>
-          <p:cNvSpPr>
-            <a:spLocks noGrp="1"/>
-          </p:cNvSpPr>
-          <p:nvPr>
-            <p:ph type="title"/>
-          </p:nvPr>
-        </p:nvSpPr>
-        <p:spPr/>
-        <p:txBody>
-          <a:bodyPr/>
-          <a:lstStyle/>
-          <a:p>
-            <a:r>
-              <a:rPr lang="en-US" dirty="0"/>
-              <a:t>Step 5: configure the </a:t>
-            </a:r>
-            <a:r>
-              <a:rPr lang="en-US"/>
-              <a:t>enviroment</a:t>
-            </a:r>
-          </a:p>
-        </p:txBody>
-      </p:sp>
-      <p:sp>
-        <p:nvSpPr>
-          <p:cNvPr id="3" name="Content Placeholder 2">
-            <a:extLst>
-              <a:ext uri="{FF2B5EF4-FFF2-40B4-BE49-F238E27FC236}">
-                <a16:creationId xmlns:a16="http://schemas.microsoft.com/office/drawing/2014/main" id="{F4F40C17-F030-4629-AC5A-D1031413187E}"/>
-              </a:ext>
-            </a:extLst>
-          </p:cNvPr>
-          <p:cNvSpPr>
-            <a:spLocks noGrp="1"/>
-          </p:cNvSpPr>
-          <p:nvPr>
-            <p:ph idx="1"/>
-          </p:nvPr>
-        </p:nvSpPr>
-        <p:spPr/>
-        <p:txBody>
-          <a:bodyPr/>
-          <a:lstStyle/>
-          <a:p>
-            <a:endParaRPr lang="en-US"/>
-          </a:p>
-        </p:txBody>
-      </p:sp>
-    </p:spTree>
-    <p:extLst>
-      <p:ext uri="{BB962C8B-B14F-4D97-AF65-F5344CB8AC3E}">
-        <p14:creationId xmlns:p14="http://schemas.microsoft.com/office/powerpoint/2010/main" val="3617351736"/>
       </p:ext>
     </p:extLst>
   </p:cSld>

--- a/Intro_to_GENE/0_Getting_started_with_GENE.pptx
+++ b/Intro_to_GENE/0_Getting_started_with_GENE.pptx
@@ -283,7 +283,7 @@
           <a:p>
             <a:fld id="{5FC85D78-2920-445E-8686-FA2F3D4A48D8}" type="datetimeFigureOut">
               <a:rPr lang="en-US" smtClean="0"/>
-              <a:t>5/31/2021</a:t>
+              <a:t>6/30/2021</a:t>
             </a:fld>
             <a:endParaRPr lang="en-US"/>
           </a:p>
@@ -481,7 +481,7 @@
           <a:p>
             <a:fld id="{5FC85D78-2920-445E-8686-FA2F3D4A48D8}" type="datetimeFigureOut">
               <a:rPr lang="en-US" smtClean="0"/>
-              <a:t>5/31/2021</a:t>
+              <a:t>6/30/2021</a:t>
             </a:fld>
             <a:endParaRPr lang="en-US"/>
           </a:p>
@@ -689,7 +689,7 @@
           <a:p>
             <a:fld id="{5FC85D78-2920-445E-8686-FA2F3D4A48D8}" type="datetimeFigureOut">
               <a:rPr lang="en-US" smtClean="0"/>
-              <a:t>5/31/2021</a:t>
+              <a:t>6/30/2021</a:t>
             </a:fld>
             <a:endParaRPr lang="en-US"/>
           </a:p>
@@ -887,7 +887,7 @@
           <a:p>
             <a:fld id="{5FC85D78-2920-445E-8686-FA2F3D4A48D8}" type="datetimeFigureOut">
               <a:rPr lang="en-US" smtClean="0"/>
-              <a:t>5/31/2021</a:t>
+              <a:t>6/30/2021</a:t>
             </a:fld>
             <a:endParaRPr lang="en-US"/>
           </a:p>
@@ -1162,7 +1162,7 @@
           <a:p>
             <a:fld id="{5FC85D78-2920-445E-8686-FA2F3D4A48D8}" type="datetimeFigureOut">
               <a:rPr lang="en-US" smtClean="0"/>
-              <a:t>5/31/2021</a:t>
+              <a:t>6/30/2021</a:t>
             </a:fld>
             <a:endParaRPr lang="en-US"/>
           </a:p>
@@ -1427,7 +1427,7 @@
           <a:p>
             <a:fld id="{5FC85D78-2920-445E-8686-FA2F3D4A48D8}" type="datetimeFigureOut">
               <a:rPr lang="en-US" smtClean="0"/>
-              <a:t>5/31/2021</a:t>
+              <a:t>6/30/2021</a:t>
             </a:fld>
             <a:endParaRPr lang="en-US"/>
           </a:p>
@@ -1839,7 +1839,7 @@
           <a:p>
             <a:fld id="{5FC85D78-2920-445E-8686-FA2F3D4A48D8}" type="datetimeFigureOut">
               <a:rPr lang="en-US" smtClean="0"/>
-              <a:t>5/31/2021</a:t>
+              <a:t>6/30/2021</a:t>
             </a:fld>
             <a:endParaRPr lang="en-US"/>
           </a:p>
@@ -1980,7 +1980,7 @@
           <a:p>
             <a:fld id="{5FC85D78-2920-445E-8686-FA2F3D4A48D8}" type="datetimeFigureOut">
               <a:rPr lang="en-US" smtClean="0"/>
-              <a:t>5/31/2021</a:t>
+              <a:t>6/30/2021</a:t>
             </a:fld>
             <a:endParaRPr lang="en-US"/>
           </a:p>
@@ -2093,7 +2093,7 @@
           <a:p>
             <a:fld id="{5FC85D78-2920-445E-8686-FA2F3D4A48D8}" type="datetimeFigureOut">
               <a:rPr lang="en-US" smtClean="0"/>
-              <a:t>5/31/2021</a:t>
+              <a:t>6/30/2021</a:t>
             </a:fld>
             <a:endParaRPr lang="en-US"/>
           </a:p>
@@ -2404,7 +2404,7 @@
           <a:p>
             <a:fld id="{5FC85D78-2920-445E-8686-FA2F3D4A48D8}" type="datetimeFigureOut">
               <a:rPr lang="en-US" smtClean="0"/>
-              <a:t>5/31/2021</a:t>
+              <a:t>6/30/2021</a:t>
             </a:fld>
             <a:endParaRPr lang="en-US"/>
           </a:p>
@@ -2692,7 +2692,7 @@
           <a:p>
             <a:fld id="{5FC85D78-2920-445E-8686-FA2F3D4A48D8}" type="datetimeFigureOut">
               <a:rPr lang="en-US" smtClean="0"/>
-              <a:t>5/31/2021</a:t>
+              <a:t>6/30/2021</a:t>
             </a:fld>
             <a:endParaRPr lang="en-US"/>
           </a:p>
@@ -2933,7 +2933,7 @@
           <a:p>
             <a:fld id="{5FC85D78-2920-445E-8686-FA2F3D4A48D8}" type="datetimeFigureOut">
               <a:rPr lang="en-US" smtClean="0"/>
-              <a:t>5/31/2021</a:t>
+              <a:t>6/30/2021</a:t>
             </a:fld>
             <a:endParaRPr lang="en-US"/>
           </a:p>
